--- a/InfoSec/PPTs/L15-CH24-Wireless Mobile Security.pptx
+++ b/InfoSec/PPTs/L15-CH24-Wireless Mobile Security.pptx
@@ -315,7 +315,7 @@
             <a:fld id="{999DDEF9-8F79-3F4A-8C1A-CB2E900DCD92}" type="datetimeFigureOut">
               <a:rPr lang="en-US" smtClean="0"/>
               <a:pPr/>
-              <a:t>4/18/2020</a:t>
+              <a:t>4/22/2020</a:t>
             </a:fld>
             <a:endParaRPr lang="en-US"/>
           </a:p>
@@ -11161,14 +11161,7 @@
             <a:pPr lvl="1"/>
             <a:r>
               <a:rPr lang="en-US" dirty="0"/>
-              <a:t>seriously flawed</a:t>
-            </a:r>
-          </a:p>
-          <a:p>
-            <a:pPr lvl="1"/>
-            <a:r>
-              <a:rPr lang="en-US" dirty="0"/>
-              <a:t>not recommended to use</a:t>
+              <a:t>Too weak, and no longer used</a:t>
             </a:r>
           </a:p>
           <a:p>

--- a/InfoSec/PPTs/L15-CH24-Wireless Mobile Security.pptx
+++ b/InfoSec/PPTs/L15-CH24-Wireless Mobile Security.pptx
@@ -5,10 +5,10 @@
     <p:sldMasterId id="2147483878" r:id="rId1"/>
   </p:sldMasterIdLst>
   <p:notesMasterIdLst>
-    <p:notesMasterId r:id="rId28"/>
+    <p:notesMasterId r:id="rId27"/>
   </p:notesMasterIdLst>
   <p:handoutMasterIdLst>
-    <p:handoutMasterId r:id="rId29"/>
+    <p:handoutMasterId r:id="rId28"/>
   </p:handoutMasterIdLst>
   <p:sldIdLst>
     <p:sldId id="383" r:id="rId2"/>
@@ -25,18 +25,17 @@
     <p:sldId id="389" r:id="rId13"/>
     <p:sldId id="390" r:id="rId14"/>
     <p:sldId id="274" r:id="rId15"/>
-    <p:sldId id="391" r:id="rId16"/>
-    <p:sldId id="276" r:id="rId17"/>
-    <p:sldId id="277" r:id="rId18"/>
-    <p:sldId id="279" r:id="rId19"/>
-    <p:sldId id="281" r:id="rId20"/>
-    <p:sldId id="392" r:id="rId21"/>
-    <p:sldId id="283" r:id="rId22"/>
-    <p:sldId id="284" r:id="rId23"/>
-    <p:sldId id="285" r:id="rId24"/>
-    <p:sldId id="286" r:id="rId25"/>
-    <p:sldId id="393" r:id="rId26"/>
-    <p:sldId id="394" r:id="rId27"/>
+    <p:sldId id="276" r:id="rId16"/>
+    <p:sldId id="277" r:id="rId17"/>
+    <p:sldId id="279" r:id="rId18"/>
+    <p:sldId id="281" r:id="rId19"/>
+    <p:sldId id="392" r:id="rId20"/>
+    <p:sldId id="283" r:id="rId21"/>
+    <p:sldId id="284" r:id="rId22"/>
+    <p:sldId id="285" r:id="rId23"/>
+    <p:sldId id="286" r:id="rId24"/>
+    <p:sldId id="393" r:id="rId25"/>
+    <p:sldId id="394" r:id="rId26"/>
   </p:sldIdLst>
   <p:sldSz cx="9144000" cy="6858000" type="screen4x3"/>
   <p:notesSz cx="6858000" cy="9144000"/>
@@ -184,7 +183,6 @@
             <p14:sldId id="389"/>
             <p14:sldId id="390"/>
             <p14:sldId id="274"/>
-            <p14:sldId id="391"/>
             <p14:sldId id="276"/>
             <p14:sldId id="277"/>
             <p14:sldId id="279"/>
@@ -315,7 +313,7 @@
             <a:fld id="{999DDEF9-8F79-3F4A-8C1A-CB2E900DCD92}" type="datetimeFigureOut">
               <a:rPr lang="en-US" smtClean="0"/>
               <a:pPr/>
-              <a:t>4/22/2020</a:t>
+              <a:t>6/11/2020</a:t>
             </a:fld>
             <a:endParaRPr lang="en-US"/>
           </a:p>
@@ -1360,6 +1358,95 @@
 </file>
 
 <file path=ppt/notesSlides/notesSlide11.xml><?xml version="1.0" encoding="utf-8"?>
+<p:notes xmlns:a="http://schemas.openxmlformats.org/drawingml/2006/main" xmlns:r="http://schemas.openxmlformats.org/officeDocument/2006/relationships" xmlns:p="http://schemas.openxmlformats.org/presentationml/2006/main">
+  <p:cSld>
+    <p:spTree>
+      <p:nvGrpSpPr>
+        <p:cNvPr id="1" name=""/>
+        <p:cNvGrpSpPr/>
+        <p:nvPr/>
+      </p:nvGrpSpPr>
+      <p:grpSpPr>
+        <a:xfrm>
+          <a:off x="0" y="0"/>
+          <a:ext cx="0" cy="0"/>
+          <a:chOff x="0" y="0"/>
+          <a:chExt cx="0" cy="0"/>
+        </a:xfrm>
+      </p:grpSpPr>
+      <p:sp>
+        <p:nvSpPr>
+          <p:cNvPr id="2" name="Slide Image Placeholder 1"/>
+          <p:cNvSpPr>
+            <a:spLocks noGrp="1" noRot="1" noChangeAspect="1"/>
+          </p:cNvSpPr>
+          <p:nvPr>
+            <p:ph type="sldImg"/>
+          </p:nvPr>
+        </p:nvSpPr>
+        <p:spPr/>
+      </p:sp>
+      <p:sp>
+        <p:nvSpPr>
+          <p:cNvPr id="3" name="Notes Placeholder 2"/>
+          <p:cNvSpPr>
+            <a:spLocks noGrp="1"/>
+          </p:cNvSpPr>
+          <p:nvPr>
+            <p:ph type="body" idx="1"/>
+          </p:nvPr>
+        </p:nvSpPr>
+        <p:spPr/>
+        <p:txBody>
+          <a:bodyPr/>
+          <a:lstStyle/>
+          <a:p>
+            <a:r>
+              <a:rPr lang="en-US" dirty="0" smtClean="0"/>
+              <a:t>https://developer.apple.com/support/code-signing/</a:t>
+            </a:r>
+            <a:endParaRPr lang="en-US" dirty="0"/>
+          </a:p>
+        </p:txBody>
+      </p:sp>
+      <p:sp>
+        <p:nvSpPr>
+          <p:cNvPr id="4" name="Slide Number Placeholder 3"/>
+          <p:cNvSpPr>
+            <a:spLocks noGrp="1"/>
+          </p:cNvSpPr>
+          <p:nvPr>
+            <p:ph type="sldNum" sz="quarter" idx="10"/>
+          </p:nvPr>
+        </p:nvSpPr>
+        <p:spPr/>
+        <p:txBody>
+          <a:bodyPr/>
+          <a:lstStyle/>
+          <a:p>
+            <a:fld id="{F8560DBF-F109-8946-ADF0-EE66B221E988}" type="slidenum">
+              <a:rPr lang="en-AU" smtClean="0"/>
+              <a:pPr/>
+              <a:t>13</a:t>
+            </a:fld>
+            <a:endParaRPr lang="en-AU" dirty="0"/>
+          </a:p>
+        </p:txBody>
+      </p:sp>
+    </p:spTree>
+    <p:extLst>
+      <p:ext uri="{BB962C8B-B14F-4D97-AF65-F5344CB8AC3E}">
+        <p14:creationId xmlns:p14="http://schemas.microsoft.com/office/powerpoint/2010/main" val="96892002"/>
+      </p:ext>
+    </p:extLst>
+  </p:cSld>
+  <p:clrMapOvr>
+    <a:masterClrMapping/>
+  </p:clrMapOvr>
+</p:notes>
+</file>
+
+<file path=ppt/notesSlides/notesSlide12.xml><?xml version="1.0" encoding="utf-8"?>
 <p:notes xmlns:a="http://schemas.openxmlformats.org/drawingml/2006/main" xmlns:r="http://schemas.openxmlformats.org/officeDocument/2006/relationships" xmlns:p="http://schemas.openxmlformats.org/presentationml/2006/main" showMasterSp="0" showMasterPhAnim="0">
   <p:cSld>
     <p:spTree>
@@ -1568,224 +1655,6 @@
 </p:notes>
 </file>
 
-<file path=ppt/notesSlides/notesSlide12.xml><?xml version="1.0" encoding="utf-8"?>
-<p:notes xmlns:a="http://schemas.openxmlformats.org/drawingml/2006/main" xmlns:r="http://schemas.openxmlformats.org/officeDocument/2006/relationships" xmlns:p="http://schemas.openxmlformats.org/presentationml/2006/main">
-  <p:cSld>
-    <p:spTree>
-      <p:nvGrpSpPr>
-        <p:cNvPr id="1" name=""/>
-        <p:cNvGrpSpPr/>
-        <p:nvPr/>
-      </p:nvGrpSpPr>
-      <p:grpSpPr>
-        <a:xfrm>
-          <a:off x="0" y="0"/>
-          <a:ext cx="0" cy="0"/>
-          <a:chOff x="0" y="0"/>
-          <a:chExt cx="0" cy="0"/>
-        </a:xfrm>
-      </p:grpSpPr>
-      <p:sp>
-        <p:nvSpPr>
-          <p:cNvPr id="2" name="Slide Image Placeholder 1"/>
-          <p:cNvSpPr>
-            <a:spLocks noGrp="1" noRot="1" noChangeAspect="1"/>
-          </p:cNvSpPr>
-          <p:nvPr>
-            <p:ph type="sldImg"/>
-          </p:nvPr>
-        </p:nvSpPr>
-        <p:spPr/>
-      </p:sp>
-      <p:sp>
-        <p:nvSpPr>
-          <p:cNvPr id="3" name="Notes Placeholder 2"/>
-          <p:cNvSpPr>
-            <a:spLocks noGrp="1"/>
-          </p:cNvSpPr>
-          <p:nvPr>
-            <p:ph type="body" idx="1"/>
-          </p:nvPr>
-        </p:nvSpPr>
-        <p:spPr/>
-        <p:txBody>
-          <a:bodyPr/>
-          <a:lstStyle/>
-          <a:p>
-            <a:pPr lvl="0" rtl="0">
-              <a:spcBef>
-                <a:spcPts val="0"/>
-              </a:spcBef>
-              <a:buNone/>
-            </a:pPr>
-            <a:r>
-              <a:rPr lang="en-US" b="1" dirty="0"/>
-              <a:t>QUIZ:</a:t>
-            </a:r>
-          </a:p>
-          <a:p>
-            <a:pPr lvl="0" rtl="0">
-              <a:spcBef>
-                <a:spcPts val="0"/>
-              </a:spcBef>
-              <a:buNone/>
-            </a:pPr>
-            <a:r>
-              <a:rPr lang="en-US" sz="1200" dirty="0">
-                <a:solidFill>
-                  <a:schemeClr val="dk1"/>
-                </a:solidFill>
-              </a:rPr>
-              <a:t>In 2013 researchers here at Georgia Tech were able to bypass Apple’s App store security. What method did they use?</a:t>
-            </a:r>
-          </a:p>
-          <a:p>
-            <a:pPr lvl="0" rtl="0">
-              <a:spcBef>
-                <a:spcPts val="0"/>
-              </a:spcBef>
-              <a:buClr>
-                <a:srgbClr val="000000"/>
-              </a:buClr>
-              <a:buFont typeface="Arial"/>
-              <a:buNone/>
-            </a:pPr>
-            <a:endParaRPr lang="en-US" dirty="0"/>
-          </a:p>
-          <a:p>
-            <a:pPr lvl="0" rtl="0">
-              <a:spcBef>
-                <a:spcPts val="0"/>
-              </a:spcBef>
-              <a:buNone/>
-            </a:pPr>
-            <a:r>
-              <a:rPr lang="en-US" dirty="0"/>
-              <a:t>---</a:t>
-            </a:r>
-          </a:p>
-          <a:p>
-            <a:pPr lvl="0" rtl="0">
-              <a:spcBef>
-                <a:spcPts val="0"/>
-              </a:spcBef>
-              <a:buNone/>
-            </a:pPr>
-            <a:endParaRPr lang="en-US" dirty="0"/>
-          </a:p>
-          <a:p>
-            <a:pPr lvl="0" rtl="0">
-              <a:spcBef>
-                <a:spcPts val="0"/>
-              </a:spcBef>
-              <a:buNone/>
-            </a:pPr>
-            <a:r>
-              <a:rPr lang="en-US" b="1" dirty="0"/>
-              <a:t>SOLUTION:</a:t>
-            </a:r>
-          </a:p>
-          <a:p>
-            <a:pPr lvl="0" rtl="0">
-              <a:spcBef>
-                <a:spcPts val="0"/>
-              </a:spcBef>
-              <a:buClr>
-                <a:schemeClr val="dk1"/>
-              </a:buClr>
-              <a:buSzPct val="91666"/>
-              <a:buFont typeface="Arial"/>
-              <a:buNone/>
-            </a:pPr>
-            <a:r>
-              <a:rPr lang="en-US" sz="1200" dirty="0">
-                <a:solidFill>
-                  <a:schemeClr val="dk1"/>
-                </a:solidFill>
-              </a:rPr>
-              <a:t>In the spirit of full disclosure, I was one of the researchers. A link to an article about the research can be found in the instructor’s notes. </a:t>
-            </a:r>
-          </a:p>
-          <a:p>
-            <a:pPr lvl="0" rtl="0">
-              <a:spcBef>
-                <a:spcPts val="0"/>
-              </a:spcBef>
-              <a:buClr>
-                <a:schemeClr val="dk1"/>
-              </a:buClr>
-              <a:buFont typeface="Arial"/>
-              <a:buNone/>
-            </a:pPr>
-            <a:endParaRPr lang="en-US" sz="1200" dirty="0">
-              <a:solidFill>
-                <a:schemeClr val="dk1"/>
-              </a:solidFill>
-            </a:endParaRPr>
-          </a:p>
-          <a:p>
-            <a:pPr lvl="0" rtl="0">
-              <a:spcBef>
-                <a:spcPts val="0"/>
-              </a:spcBef>
-              <a:buClr>
-                <a:schemeClr val="dk1"/>
-              </a:buClr>
-              <a:buSzPct val="91666"/>
-              <a:buFont typeface="Arial"/>
-              <a:buNone/>
-            </a:pPr>
-            <a:r>
-              <a:rPr lang="en-US" sz="1200" dirty="0">
-                <a:solidFill>
-                  <a:schemeClr val="dk1"/>
-                </a:solidFill>
-              </a:rPr>
-              <a:t>Correct answer, an app was uploaded that morphed into malware. </a:t>
-            </a:r>
-          </a:p>
-          <a:p>
-            <a:endParaRPr lang="en-SE" dirty="0"/>
-          </a:p>
-        </p:txBody>
-      </p:sp>
-      <p:sp>
-        <p:nvSpPr>
-          <p:cNvPr id="4" name="Slide Number Placeholder 3"/>
-          <p:cNvSpPr>
-            <a:spLocks noGrp="1"/>
-          </p:cNvSpPr>
-          <p:nvPr>
-            <p:ph type="sldNum" sz="quarter" idx="5"/>
-          </p:nvPr>
-        </p:nvSpPr>
-        <p:spPr/>
-        <p:txBody>
-          <a:bodyPr/>
-          <a:lstStyle/>
-          <a:p>
-            <a:fld id="{F8560DBF-F109-8946-ADF0-EE66B221E988}" type="slidenum">
-              <a:rPr lang="en-AU" smtClean="0"/>
-              <a:pPr/>
-              <a:t>15</a:t>
-            </a:fld>
-            <a:endParaRPr lang="en-AU" dirty="0"/>
-          </a:p>
-        </p:txBody>
-      </p:sp>
-    </p:spTree>
-    <p:extLst>
-      <p:ext uri="{BB962C8B-B14F-4D97-AF65-F5344CB8AC3E}">
-        <p14:creationId xmlns:p14="http://schemas.microsoft.com/office/powerpoint/2010/main" val="3449087838"/>
-      </p:ext>
-    </p:extLst>
-  </p:cSld>
-  <p:clrMapOvr>
-    <a:masterClrMapping/>
-  </p:clrMapOvr>
-</p:notes>
-</file>
-
 <file path=ppt/notesSlides/notesSlide13.xml><?xml version="1.0" encoding="utf-8"?>
 <p:notes xmlns:a="http://schemas.openxmlformats.org/drawingml/2006/main" xmlns:r="http://schemas.openxmlformats.org/officeDocument/2006/relationships" xmlns:p="http://schemas.openxmlformats.org/presentationml/2006/main" showMasterSp="0" showMasterPhAnim="0">
   <p:cSld>
@@ -2046,7 +1915,7 @@
             </a:pPr>
             <a:fld id="{00000000-1234-1234-1234-123412341234}" type="slidenum">
               <a:rPr lang="en-US"/>
-              <a:t>16</a:t>
+              <a:t>15</a:t>
             </a:fld>
             <a:endParaRPr lang="en-US"/>
           </a:p>
@@ -2153,6 +2022,57 @@
           </a:bodyPr>
           <a:lstStyle/>
           <a:p>
+            <a:pPr marL="0" marR="0" indent="0" algn="l" defTabSz="914400" rtl="0" eaLnBrk="1" fontAlgn="base" latinLnBrk="0" hangingPunct="1">
+              <a:lnSpc>
+                <a:spcPct val="100000"/>
+              </a:lnSpc>
+              <a:spcBef>
+                <a:spcPts val="0"/>
+              </a:spcBef>
+              <a:spcAft>
+                <a:spcPct val="0"/>
+              </a:spcAft>
+              <a:buClrTx/>
+              <a:buSzTx/>
+              <a:buFontTx/>
+              <a:buNone/>
+              <a:tabLst/>
+              <a:defRPr/>
+            </a:pPr>
+            <a:r>
+              <a:rPr lang="en-SE" sz="1200" dirty="0" smtClean="0">
+                <a:solidFill>
+                  <a:schemeClr val="dk1"/>
+                </a:solidFill>
+              </a:rPr>
+              <a:t>, </a:t>
+            </a:r>
+            <a:r>
+              <a:rPr lang="en-US" sz="1200" dirty="0" smtClean="0">
+                <a:solidFill>
+                  <a:schemeClr val="dk1"/>
+                </a:solidFill>
+              </a:rPr>
+              <a:t>e.g., return-to-</a:t>
+            </a:r>
+            <a:r>
+              <a:rPr lang="en-US" sz="1200" dirty="0" err="1" smtClean="0">
+                <a:solidFill>
+                  <a:schemeClr val="dk1"/>
+                </a:solidFill>
+              </a:rPr>
+              <a:t>libc</a:t>
+            </a:r>
+            <a:r>
+              <a:rPr lang="en-US" sz="1200" dirty="0" smtClean="0">
+                <a:solidFill>
+                  <a:schemeClr val="dk1"/>
+                </a:solidFill>
+              </a:rPr>
+              <a:t> attack that attempts to trick a device into executing malicious code by manipulating memory addresses of the stack and system libraries. </a:t>
+            </a:r>
+          </a:p>
+          <a:p>
             <a:pPr>
               <a:spcBef>
                 <a:spcPts val="0"/>
@@ -2196,7 +2116,7 @@
             </a:pPr>
             <a:fld id="{00000000-1234-1234-1234-123412341234}" type="slidenum">
               <a:rPr lang="en-US"/>
-              <a:t>17</a:t>
+              <a:t>16</a:t>
             </a:fld>
             <a:endParaRPr lang="en-US"/>
           </a:p>
@@ -2484,7 +2404,7 @@
             </a:pPr>
             <a:fld id="{00000000-1234-1234-1234-123412341234}" type="slidenum">
               <a:rPr lang="en-US"/>
-              <a:t>18</a:t>
+              <a:t>17</a:t>
             </a:fld>
             <a:endParaRPr lang="en-US"/>
           </a:p>
@@ -2764,7 +2684,7 @@
             </a:pPr>
             <a:fld id="{00000000-1234-1234-1234-123412341234}" type="slidenum">
               <a:rPr lang="en-US"/>
-              <a:t>19</a:t>
+              <a:t>18</a:t>
             </a:fld>
             <a:endParaRPr lang="en-US"/>
           </a:p>
@@ -3406,7 +3326,7 @@
             </a:pPr>
             <a:fld id="{00000000-1234-1234-1234-123412341234}" type="slidenum">
               <a:rPr lang="en-US"/>
-              <a:t>21</a:t>
+              <a:t>20</a:t>
             </a:fld>
             <a:endParaRPr lang="en-US"/>
           </a:p>
@@ -3729,7 +3649,7 @@
             </a:pPr>
             <a:fld id="{00000000-1234-1234-1234-123412341234}" type="slidenum">
               <a:rPr lang="en-US"/>
-              <a:t>22</a:t>
+              <a:t>21</a:t>
             </a:fld>
             <a:endParaRPr lang="en-US"/>
           </a:p>
@@ -3900,7 +3820,7 @@
             </a:pPr>
             <a:fld id="{00000000-1234-1234-1234-123412341234}" type="slidenum">
               <a:rPr lang="en-US"/>
-              <a:t>23</a:t>
+              <a:t>22</a:t>
             </a:fld>
             <a:endParaRPr lang="en-US"/>
           </a:p>
@@ -4323,7 +4243,7 @@
             </a:pPr>
             <a:fld id="{00000000-1234-1234-1234-123412341234}" type="slidenum">
               <a:rPr lang="en-US"/>
-              <a:t>24</a:t>
+              <a:t>23</a:t>
             </a:fld>
             <a:endParaRPr lang="en-US"/>
           </a:p>
@@ -4489,7 +4409,7 @@
             <a:fld id="{F8560DBF-F109-8946-ADF0-EE66B221E988}" type="slidenum">
               <a:rPr lang="en-AU" smtClean="0"/>
               <a:pPr/>
-              <a:t>25</a:t>
+              <a:t>24</a:t>
             </a:fld>
             <a:endParaRPr lang="en-AU" dirty="0"/>
           </a:p>
@@ -5512,12 +5432,46 @@
               <a:buNone/>
             </a:pPr>
             <a:r>
+              <a:rPr lang="en-US" sz="1200" smtClean="0">
+                <a:solidFill>
+                  <a:schemeClr val="dk1"/>
+                </a:solidFill>
+              </a:rPr>
+              <a:t>https://support.apple.com/en-gb/guide/security/secf6276da8a/1/web/1</a:t>
+            </a:r>
+            <a:endParaRPr lang="en-SE" sz="1200" smtClean="0">
+              <a:solidFill>
+                <a:schemeClr val="dk1"/>
+              </a:solidFill>
+            </a:endParaRPr>
+          </a:p>
+          <a:p>
+            <a:pPr lvl="0" rtl="0">
+              <a:spcBef>
+                <a:spcPts val="0"/>
+              </a:spcBef>
+              <a:buClr>
+                <a:schemeClr val="dk1"/>
+              </a:buClr>
+              <a:buSzPct val="25000"/>
+              <a:buFont typeface="Arial"/>
+              <a:buNone/>
+            </a:pPr>
+            <a:r>
+              <a:rPr lang="en-US" sz="1200" dirty="0" smtClean="0">
+                <a:solidFill>
+                  <a:schemeClr val="dk1"/>
+                </a:solidFill>
+              </a:rPr>
+              <a:t>In </a:t>
+            </a:r>
+            <a:r>
               <a:rPr lang="en-US" sz="1200" dirty="0">
                 <a:solidFill>
                   <a:schemeClr val="dk1"/>
                 </a:solidFill>
               </a:rPr>
-              <a:t>In addition to the hardware encryption features built into iOS devices, Apple uses a technology called Data Protection to further protect data stored in flash memory on the device. Data Protection allows the device to respond to common events such as incoming phone calls, but also enables a high level of encryption for user data. Key system apps, such as Messages, Mail, Calendar, Contacts, Photos, and Health data values use Data Protection by default, and third-party apps installed on iOS 7 or later receive this protection automatically. </a:t>
+              <a:t>addition to the hardware encryption features built into iOS devices, Apple uses a technology called Data Protection to further protect data stored in flash memory on the device. Data Protection allows the device to respond to common events such as incoming phone calls, but also enables a high level of encryption for user data. Key system apps, such as Messages, Mail, Calendar, Contacts, Photos, and Health data values use Data Protection by default, and third-party apps installed on iOS 7 or later receive this protection automatically. </a:t>
             </a:r>
           </a:p>
           <a:p>
@@ -7618,6 +7572,13 @@
   <p:clrMapOvr>
     <a:masterClrMapping/>
   </p:clrMapOvr>
+  <p:timing>
+    <p:tnLst>
+      <p:par>
+        <p:cTn id="1" dur="indefinite" restart="never" nodeType="tmRoot"/>
+      </p:par>
+    </p:tnLst>
+  </p:timing>
 </p:sld>
 </file>
 
@@ -7873,6 +7834,13 @@
   <p:transition spd="slow">
     <p:cut/>
   </p:transition>
+  <p:timing>
+    <p:tnLst>
+      <p:par>
+        <p:cTn id="1" dur="indefinite" restart="never" nodeType="tmRoot"/>
+      </p:par>
+    </p:tnLst>
+  </p:timing>
 </p:sld>
 </file>
 
@@ -7953,7 +7921,7 @@
         <p:spPr/>
         <p:txBody>
           <a:bodyPr>
-            <a:normAutofit lnSpcReduction="10000"/>
+            <a:normAutofit fontScale="92500" lnSpcReduction="20000"/>
           </a:bodyPr>
           <a:lstStyle/>
           <a:p>
@@ -7993,8 +7961,45 @@
             <a:pPr lvl="1"/>
             <a:r>
               <a:rPr lang="en-US" dirty="0"/>
-              <a:t>A is false, since UID and GID are burned into the chip, not in flash memory</a:t>
-            </a:r>
+              <a:t>A is false, since UID and GID are burned into the </a:t>
+            </a:r>
+            <a:r>
+              <a:rPr lang="en-SE" dirty="0" smtClean="0"/>
+              <a:t>HW</a:t>
+            </a:r>
+            <a:r>
+              <a:rPr lang="en-US" dirty="0" smtClean="0"/>
+              <a:t>, </a:t>
+            </a:r>
+            <a:r>
+              <a:rPr lang="en-US" dirty="0"/>
+              <a:t>not in flash </a:t>
+            </a:r>
+            <a:r>
+              <a:rPr lang="en-US" dirty="0" smtClean="0"/>
+              <a:t>memory</a:t>
+            </a:r>
+            <a:endParaRPr lang="en-SE" dirty="0" smtClean="0"/>
+          </a:p>
+          <a:p>
+            <a:pPr lvl="1"/>
+            <a:r>
+              <a:rPr lang="en-SE" dirty="0" smtClean="0"/>
+              <a:t>C is false, since each file is encrypted with </a:t>
+            </a:r>
+            <a:r>
+              <a:rPr lang="en-US" dirty="0" smtClean="0"/>
+              <a:t>a </a:t>
+            </a:r>
+            <a:r>
+              <a:rPr lang="en-US" dirty="0"/>
+              <a:t>unique </a:t>
+            </a:r>
+            <a:r>
+              <a:rPr lang="en-US" dirty="0" smtClean="0"/>
+              <a:t>File Key</a:t>
+            </a:r>
+            <a:endParaRPr lang="en-US" dirty="0"/>
           </a:p>
           <a:p>
             <a:endParaRPr lang="en-US" dirty="0"/>
@@ -8015,6 +8020,13 @@
   <p:transition spd="slow">
     <p:cut/>
   </p:transition>
+  <p:timing>
+    <p:tnLst>
+      <p:par>
+        <p:cTn id="1" dur="indefinite" restart="never" nodeType="tmRoot"/>
+      </p:par>
+    </p:tnLst>
+  </p:timing>
 </p:sld>
 </file>
 
@@ -8089,7 +8101,15 @@
           <a:p>
             <a:r>
               <a:rPr lang="en-US" dirty="0"/>
-              <a:t>To ensure that all apps come from a known and approved source and have not been tampered with, iOS requires that all executable code be signed using an  Apple-issued certificate. </a:t>
+              <a:t>To ensure that all apps come from a known and approved source and have not been tampered with, iOS requires that all executable code be signed using </a:t>
+            </a:r>
+            <a:r>
+              <a:rPr lang="en-US" dirty="0" smtClean="0"/>
+              <a:t>an </a:t>
+            </a:r>
+            <a:r>
+              <a:rPr lang="en-US" dirty="0"/>
+              <a:t>Apple-issued certificate. </a:t>
             </a:r>
           </a:p>
           <a:p>
@@ -8103,13 +8123,29 @@
             <a:pPr lvl="1"/>
             <a:r>
               <a:rPr lang="en-US" dirty="0"/>
-              <a:t>Third-party apps must also be validated and signed using an  Apple-issued certificate.</a:t>
-            </a:r>
-          </a:p>
-          <a:p>
+              <a:t>Third-party apps must also be validated and signed using an </a:t>
+            </a:r>
+            <a:r>
+              <a:rPr lang="en-US" dirty="0" smtClean="0"/>
+              <a:t>Apple-issued </a:t>
+            </a:r>
             <a:r>
               <a:rPr lang="en-US" dirty="0"/>
-              <a:t>Mandatory code signing extends the concept of chain of trust from the OS to apps, and prevents third-party apps from loading unsigned code resources or using self- modifying code. </a:t>
+              <a:t>certificate.</a:t>
+            </a:r>
+          </a:p>
+          <a:p>
+            <a:r>
+              <a:rPr lang="en-US" dirty="0"/>
+              <a:t>Mandatory code signing extends the concept of chain of trust from the OS to apps, and prevents third-party apps from loading unsigned code resources or using </a:t>
+            </a:r>
+            <a:r>
+              <a:rPr lang="en-US" dirty="0" smtClean="0"/>
+              <a:t>self-modifying </a:t>
+            </a:r>
+            <a:r>
+              <a:rPr lang="en-US" dirty="0"/>
+              <a:t>code. </a:t>
             </a:r>
           </a:p>
           <a:p>
@@ -8168,6 +8204,13 @@
   <p:clrMapOvr>
     <a:masterClrMapping/>
   </p:clrMapOvr>
+  <p:timing>
+    <p:tnLst>
+      <p:par>
+        <p:cTn id="1" dur="indefinite" restart="never" nodeType="tmRoot"/>
+      </p:par>
+    </p:tnLst>
+  </p:timing>
 </p:sld>
 </file>
 
@@ -8303,6 +8346,13 @@
   <p:clrMapOvr>
     <a:masterClrMapping/>
   </p:clrMapOvr>
+  <p:timing>
+    <p:tnLst>
+      <p:par>
+        <p:cTn id="1" dur="indefinite" restart="never" nodeType="tmRoot"/>
+      </p:par>
+    </p:tnLst>
+  </p:timing>
 </p:sld>
 </file>
 
@@ -8462,162 +8512,17 @@
   <p:transition spd="slow">
     <p:cut/>
   </p:transition>
+  <p:timing>
+    <p:tnLst>
+      <p:par>
+        <p:cTn id="1" dur="indefinite" restart="never" nodeType="tmRoot"/>
+      </p:par>
+    </p:tnLst>
+  </p:timing>
 </p:sld>
 </file>
 
 <file path=ppt/slides/slide15.xml><?xml version="1.0" encoding="utf-8"?>
-<p:sld xmlns:a="http://schemas.openxmlformats.org/drawingml/2006/main" xmlns:r="http://schemas.openxmlformats.org/officeDocument/2006/relationships" xmlns:p="http://schemas.openxmlformats.org/presentationml/2006/main">
-  <p:cSld>
-    <p:spTree>
-      <p:nvGrpSpPr>
-        <p:cNvPr id="1" name=""/>
-        <p:cNvGrpSpPr/>
-        <p:nvPr/>
-      </p:nvGrpSpPr>
-      <p:grpSpPr>
-        <a:xfrm>
-          <a:off x="0" y="0"/>
-          <a:ext cx="0" cy="0"/>
-          <a:chOff x="0" y="0"/>
-          <a:chExt cx="0" cy="0"/>
-        </a:xfrm>
-      </p:grpSpPr>
-      <p:sp>
-        <p:nvSpPr>
-          <p:cNvPr id="2" name="Title 1">
-            <a:extLst>
-              <a:ext uri="{FF2B5EF4-FFF2-40B4-BE49-F238E27FC236}">
-                <a16:creationId xmlns:a16="http://schemas.microsoft.com/office/drawing/2014/main" id="{1EFFEE66-BA94-459E-B1DA-CD0C9778C512}"/>
-              </a:ext>
-            </a:extLst>
-          </p:cNvPr>
-          <p:cNvSpPr>
-            <a:spLocks noGrp="1"/>
-          </p:cNvSpPr>
-          <p:nvPr>
-            <p:ph type="title"/>
-          </p:nvPr>
-        </p:nvSpPr>
-        <p:spPr/>
-        <p:txBody>
-          <a:bodyPr/>
-          <a:lstStyle/>
-          <a:p>
-            <a:r>
-              <a:rPr lang="en-US" dirty="0"/>
-              <a:t>AppStore Security Quiz</a:t>
-            </a:r>
-            <a:endParaRPr lang="en-SE" dirty="0"/>
-          </a:p>
-        </p:txBody>
-      </p:sp>
-      <p:sp>
-        <p:nvSpPr>
-          <p:cNvPr id="3" name="Content Placeholder 2">
-            <a:extLst>
-              <a:ext uri="{FF2B5EF4-FFF2-40B4-BE49-F238E27FC236}">
-                <a16:creationId xmlns:a16="http://schemas.microsoft.com/office/drawing/2014/main" id="{B3C7ECBF-E351-47E4-889E-24C97D99349C}"/>
-              </a:ext>
-            </a:extLst>
-          </p:cNvPr>
-          <p:cNvSpPr>
-            <a:spLocks noGrp="1"/>
-          </p:cNvSpPr>
-          <p:nvPr>
-            <p:ph idx="1"/>
-          </p:nvPr>
-        </p:nvSpPr>
-        <p:spPr/>
-        <p:txBody>
-          <a:bodyPr>
-            <a:normAutofit fontScale="92500" lnSpcReduction="10000"/>
-          </a:bodyPr>
-          <a:lstStyle/>
-          <a:p>
-            <a:r>
-              <a:rPr lang="en-US" dirty="0"/>
-              <a:t>In 2013 researchers were able to bypass Apple’s App store security. What method did they use?</a:t>
-            </a:r>
-          </a:p>
-          <a:p>
-            <a:pPr lvl="1"/>
-            <a:r>
-              <a:rPr lang="en-US" dirty="0"/>
-              <a:t>A. Uploaded malware disguised as an app without authorization, bypassing the review and check process.</a:t>
-            </a:r>
-          </a:p>
-          <a:p>
-            <a:pPr lvl="1"/>
-            <a:r>
-              <a:rPr lang="en-US" dirty="0"/>
-              <a:t>B. Uploaded an app that after it passed the review process morphed into malware.</a:t>
-            </a:r>
-          </a:p>
-          <a:p>
-            <a:pPr lvl="1"/>
-            <a:r>
-              <a:rPr lang="en-US" dirty="0"/>
-              <a:t>C. Uploaded an app that led users to a site that contained malware. </a:t>
-            </a:r>
-          </a:p>
-          <a:p>
-            <a:r>
-              <a:rPr lang="en-US" dirty="0"/>
-              <a:t>ANS: B</a:t>
-            </a:r>
-            <a:endParaRPr lang="en-SE" dirty="0"/>
-          </a:p>
-        </p:txBody>
-      </p:sp>
-      <p:sp>
-        <p:nvSpPr>
-          <p:cNvPr id="4" name="Slide Number Placeholder 3">
-            <a:extLst>
-              <a:ext uri="{FF2B5EF4-FFF2-40B4-BE49-F238E27FC236}">
-                <a16:creationId xmlns:a16="http://schemas.microsoft.com/office/drawing/2014/main" id="{9795D066-6AA4-4859-90C4-305C5E917A1A}"/>
-              </a:ext>
-            </a:extLst>
-          </p:cNvPr>
-          <p:cNvSpPr>
-            <a:spLocks noGrp="1"/>
-          </p:cNvSpPr>
-          <p:nvPr>
-            <p:ph type="sldNum" sz="quarter" idx="12"/>
-          </p:nvPr>
-        </p:nvSpPr>
-        <p:spPr/>
-        <p:txBody>
-          <a:bodyPr/>
-          <a:lstStyle/>
-          <a:p>
-            <a:pPr>
-              <a:defRPr/>
-            </a:pPr>
-            <a:fld id="{F57F456A-00AF-44E6-8D70-638C0D0130FF}" type="slidenum">
-              <a:rPr lang="en-US" altLang="zh-CN" smtClean="0"/>
-              <a:pPr>
-                <a:defRPr/>
-              </a:pPr>
-              <a:t>15</a:t>
-            </a:fld>
-            <a:endParaRPr lang="en-US" altLang="zh-CN" dirty="0"/>
-          </a:p>
-        </p:txBody>
-      </p:sp>
-    </p:spTree>
-    <p:extLst>
-      <p:ext uri="{BB962C8B-B14F-4D97-AF65-F5344CB8AC3E}">
-        <p14:creationId xmlns:p14="http://schemas.microsoft.com/office/powerpoint/2010/main" val="3649151503"/>
-      </p:ext>
-    </p:extLst>
-  </p:cSld>
-  <p:clrMapOvr>
-    <a:masterClrMapping/>
-  </p:clrMapOvr>
-</p:sld>
-</file>
-
-<file path=ppt/slides/slide16.xml><?xml version="1.0" encoding="utf-8"?>
 <p:sld xmlns:a="http://schemas.openxmlformats.org/drawingml/2006/main" xmlns:r="http://schemas.openxmlformats.org/officeDocument/2006/relationships" xmlns:p="http://schemas.openxmlformats.org/presentationml/2006/main">
   <p:cSld>
     <p:spTree>
@@ -8684,8 +8589,8 @@
         </p:nvSpPr>
         <p:spPr>
           <a:xfrm>
-            <a:off x="323528" y="1196753"/>
-            <a:ext cx="8568952" cy="1944215"/>
+            <a:off x="323528" y="908721"/>
+            <a:ext cx="8568952" cy="2232248"/>
           </a:xfrm>
           <a:prstGeom prst="rect">
             <a:avLst/>
@@ -8696,14 +8601,11 @@
             <a:prstTxWarp prst="textNoShape">
               <a:avLst/>
             </a:prstTxWarp>
-            <a:normAutofit fontScale="85000" lnSpcReduction="20000"/>
+            <a:normAutofit/>
           </a:bodyPr>
           <a:lstStyle/>
           <a:p>
             <a:pPr marL="257175" indent="-157163">
-              <a:lnSpc>
-                <a:spcPct val="100000"/>
-              </a:lnSpc>
               <a:spcBef>
                 <a:spcPts val="0"/>
               </a:spcBef>
@@ -8713,43 +8615,61 @@
             </a:pPr>
             <a:r>
               <a:rPr lang="en-US" sz="2400" dirty="0"/>
-              <a:t>All third-party apps are “sandboxed,” so they are restricted from accessing files stored by other apps or from making changes to the device. This prevents apps from gathering or modifying information stored by other apps. </a:t>
+              <a:t>All third-party apps are “</a:t>
+            </a:r>
+            <a:r>
+              <a:rPr lang="en-US" sz="2400" dirty="0" smtClean="0"/>
+              <a:t>sandboxed</a:t>
+            </a:r>
+            <a:r>
+              <a:rPr lang="en-SE" sz="2400" dirty="0" smtClean="0"/>
+              <a:t>”. </a:t>
+            </a:r>
+            <a:r>
+              <a:rPr lang="en-US" sz="2400" dirty="0"/>
+              <a:t>Each app has a unique home directory for its </a:t>
+            </a:r>
+            <a:r>
+              <a:rPr lang="en-US" sz="2400" dirty="0" smtClean="0"/>
+              <a:t>files</a:t>
+            </a:r>
+            <a:r>
+              <a:rPr lang="en-SE" sz="2400" dirty="0" smtClean="0"/>
+              <a:t>, and it</a:t>
+            </a:r>
+            <a:r>
+              <a:rPr lang="en-US" sz="2400" dirty="0" smtClean="0"/>
+              <a:t> </a:t>
+            </a:r>
+            <a:r>
+              <a:rPr lang="en-SE" sz="2400" dirty="0" smtClean="0"/>
+              <a:t>cannot</a:t>
+            </a:r>
+            <a:r>
+              <a:rPr lang="en-US" sz="2400" dirty="0" smtClean="0"/>
+              <a:t> access </a:t>
+            </a:r>
+            <a:r>
+              <a:rPr lang="en-US" sz="2400" dirty="0"/>
+              <a:t>files stored by other apps or from making changes to the device. This </a:t>
+            </a:r>
+            <a:r>
+              <a:rPr lang="en-US" sz="2400" dirty="0" smtClean="0"/>
+              <a:t>prevents</a:t>
+            </a:r>
+            <a:r>
+              <a:rPr lang="en-SE" sz="2400" dirty="0" smtClean="0"/>
+              <a:t> an</a:t>
+            </a:r>
+            <a:r>
+              <a:rPr lang="en-US" sz="2400" dirty="0" smtClean="0"/>
+              <a:t> app </a:t>
+            </a:r>
+            <a:r>
+              <a:rPr lang="en-US" sz="2400" dirty="0"/>
+              <a:t>from gathering or modifying information stored by other apps. </a:t>
             </a:r>
             <a:endParaRPr lang="en-US" sz="2100" dirty="0"/>
-          </a:p>
-          <a:p>
-            <a:pPr marL="257175" indent="-157163">
-              <a:lnSpc>
-                <a:spcPct val="100000"/>
-              </a:lnSpc>
-              <a:spcBef>
-                <a:spcPts val="0"/>
-              </a:spcBef>
-              <a:buClr>
-                <a:schemeClr val="dk1"/>
-              </a:buClr>
-            </a:pPr>
-            <a:r>
-              <a:rPr lang="en-US" sz="2100" dirty="0"/>
-              <a:t>Each app has a unique home directory for its files</a:t>
-            </a:r>
-          </a:p>
-          <a:p>
-            <a:pPr marL="257175" indent="-157163">
-              <a:lnSpc>
-                <a:spcPct val="100000"/>
-              </a:lnSpc>
-              <a:spcBef>
-                <a:spcPts val="420"/>
-              </a:spcBef>
-              <a:buClr>
-                <a:schemeClr val="dk1"/>
-              </a:buClr>
-            </a:pPr>
-            <a:r>
-              <a:rPr lang="en-US" sz="2100" dirty="0"/>
-              <a:t>Apps are restricted from accessing files stored by other apps or from making changes to the device</a:t>
-            </a:r>
           </a:p>
         </p:txBody>
       </p:sp>
@@ -8789,10 +8709,17 @@
   <p:transition spd="slow">
     <p:cut/>
   </p:transition>
+  <p:timing>
+    <p:tnLst>
+      <p:par>
+        <p:cTn id="1" dur="indefinite" restart="never" nodeType="tmRoot"/>
+      </p:par>
+    </p:tnLst>
+  </p:timing>
 </p:sld>
 </file>
 
-<file path=ppt/slides/slide17.xml><?xml version="1.0" encoding="utf-8"?>
+<file path=ppt/slides/slide16.xml><?xml version="1.0" encoding="utf-8"?>
 <p:sld xmlns:a="http://schemas.openxmlformats.org/drawingml/2006/main" xmlns:r="http://schemas.openxmlformats.org/officeDocument/2006/relationships" xmlns:p="http://schemas.openxmlformats.org/presentationml/2006/main">
   <p:cSld>
     <p:spTree>
@@ -8860,7 +8787,7 @@
         <p:spPr>
           <a:xfrm>
             <a:off x="323528" y="1196753"/>
-            <a:ext cx="8568952" cy="2592287"/>
+            <a:ext cx="8568952" cy="2664295"/>
           </a:xfrm>
           <a:prstGeom prst="rect">
             <a:avLst/>
@@ -8871,7 +8798,7 @@
             <a:prstTxWarp prst="textNoShape">
               <a:avLst/>
             </a:prstTxWarp>
-            <a:normAutofit fontScale="85000" lnSpcReduction="10000"/>
+            <a:normAutofit/>
           </a:bodyPr>
           <a:lstStyle/>
           <a:p>
@@ -8889,50 +8816,160 @@
                   <a:schemeClr val="dk1"/>
                 </a:solidFill>
               </a:rPr>
-              <a:t>ASLR protects against the exploitation of memory corruption bugs. Built-in apps use ASLR to ensure that all memory regions are randomized upon launch. Randomly arranging the memory addresses of stack, heap, main executable, and dynamic libraries reduces the likelihood of many sophisticated exploits </a:t>
-            </a:r>
-          </a:p>
-          <a:p>
-            <a:pPr marL="557213" lvl="1" indent="-128588">
-              <a:spcBef>
-                <a:spcPts val="360"/>
-              </a:spcBef>
-              <a:buClr>
-                <a:schemeClr val="dk1"/>
-              </a:buClr>
-            </a:pPr>
-            <a:r>
-              <a:rPr lang="en-US" sz="2250" dirty="0">
+              <a:t>ASLR protects against the exploitation of memory corruption </a:t>
+            </a:r>
+            <a:r>
+              <a:rPr lang="en-US" sz="2650" dirty="0" smtClean="0">
                 <a:solidFill>
                   <a:schemeClr val="dk1"/>
                 </a:solidFill>
               </a:rPr>
-              <a:t>e.g., return-to-</a:t>
-            </a:r>
-            <a:r>
-              <a:rPr lang="en-US" sz="2250" dirty="0" err="1">
+              <a:t>bugs</a:t>
+            </a:r>
+            <a:r>
+              <a:rPr lang="en-SE" sz="2650" dirty="0" smtClean="0">
                 <a:solidFill>
                   <a:schemeClr val="dk1"/>
                 </a:solidFill>
               </a:rPr>
-              <a:t>libc</a:t>
-            </a:r>
-            <a:r>
-              <a:rPr lang="en-US" sz="2250" dirty="0">
+              <a:t> by</a:t>
+            </a:r>
+            <a:r>
+              <a:rPr lang="en-US" sz="2650" dirty="0" smtClean="0">
                 <a:solidFill>
                   <a:schemeClr val="dk1"/>
                 </a:solidFill>
               </a:rPr>
-              <a:t> attack that attempts to trick a device into executing malicious code by manipulating memory addresses of the stack and system libraries. </a:t>
-            </a:r>
-          </a:p>
-          <a:p>
-            <a:pPr>
-              <a:spcBef>
-                <a:spcPts val="0"/>
-              </a:spcBef>
-              <a:buNone/>
-            </a:pPr>
+              <a:t> </a:t>
+            </a:r>
+            <a:r>
+              <a:rPr lang="en-SE" sz="2650" dirty="0" smtClean="0">
+                <a:solidFill>
+                  <a:schemeClr val="dk1"/>
+                </a:solidFill>
+              </a:rPr>
+              <a:t>r</a:t>
+            </a:r>
+            <a:r>
+              <a:rPr lang="en-US" sz="2650" dirty="0" err="1" smtClean="0">
+                <a:solidFill>
+                  <a:schemeClr val="dk1"/>
+                </a:solidFill>
+              </a:rPr>
+              <a:t>andomly</a:t>
+            </a:r>
+            <a:r>
+              <a:rPr lang="en-US" sz="2650" dirty="0" smtClean="0">
+                <a:solidFill>
+                  <a:schemeClr val="dk1"/>
+                </a:solidFill>
+              </a:rPr>
+              <a:t> </a:t>
+            </a:r>
+            <a:r>
+              <a:rPr lang="en-US" sz="2650" dirty="0">
+                <a:solidFill>
+                  <a:schemeClr val="dk1"/>
+                </a:solidFill>
+              </a:rPr>
+              <a:t>arranging the memory addresses of stack, heap, main executable, and dynamic </a:t>
+            </a:r>
+            <a:r>
+              <a:rPr lang="en-US" sz="2650" dirty="0" smtClean="0">
+                <a:solidFill>
+                  <a:schemeClr val="dk1"/>
+                </a:solidFill>
+              </a:rPr>
+              <a:t>libraries</a:t>
+            </a:r>
+            <a:r>
+              <a:rPr lang="en-SE" sz="2650" dirty="0">
+                <a:solidFill>
+                  <a:schemeClr val="dk1"/>
+                </a:solidFill>
+              </a:rPr>
+              <a:t> </a:t>
+            </a:r>
+            <a:r>
+              <a:rPr lang="en-SE" sz="2650" dirty="0" smtClean="0">
+                <a:solidFill>
+                  <a:schemeClr val="dk1"/>
+                </a:solidFill>
+              </a:rPr>
+              <a:t>when the application is </a:t>
+            </a:r>
+            <a:r>
+              <a:rPr lang="en-US" sz="2650" dirty="0" smtClean="0">
+                <a:solidFill>
+                  <a:schemeClr val="dk1"/>
+                </a:solidFill>
+              </a:rPr>
+              <a:t>launch</a:t>
+            </a:r>
+            <a:r>
+              <a:rPr lang="en-SE" sz="2650" dirty="0" smtClean="0">
+                <a:solidFill>
+                  <a:schemeClr val="dk1"/>
+                </a:solidFill>
+              </a:rPr>
+              <a:t>ed</a:t>
+            </a:r>
+            <a:r>
+              <a:rPr lang="en-US" sz="2650" dirty="0" smtClean="0">
+                <a:solidFill>
+                  <a:schemeClr val="dk1"/>
+                </a:solidFill>
+              </a:rPr>
+              <a:t>.</a:t>
+            </a:r>
+            <a:r>
+              <a:rPr lang="en-SE" sz="2650" dirty="0" smtClean="0">
+                <a:solidFill>
+                  <a:schemeClr val="dk1"/>
+                </a:solidFill>
+              </a:rPr>
+              <a:t> This</a:t>
+            </a:r>
+            <a:r>
+              <a:rPr lang="en-US" sz="2650" dirty="0" smtClean="0">
+                <a:solidFill>
+                  <a:schemeClr val="dk1"/>
+                </a:solidFill>
+              </a:rPr>
+              <a:t> </a:t>
+            </a:r>
+            <a:r>
+              <a:rPr lang="en-US" sz="2650" dirty="0">
+                <a:solidFill>
+                  <a:schemeClr val="dk1"/>
+                </a:solidFill>
+              </a:rPr>
+              <a:t>reduces the likelihood of many sophisticated </a:t>
+            </a:r>
+            <a:r>
+              <a:rPr lang="en-SE" sz="2650" dirty="0" smtClean="0">
+                <a:solidFill>
+                  <a:schemeClr val="dk1"/>
+                </a:solidFill>
+              </a:rPr>
+              <a:t>memory </a:t>
+            </a:r>
+            <a:r>
+              <a:rPr lang="en-US" sz="2700" dirty="0" smtClean="0">
+                <a:solidFill>
+                  <a:schemeClr val="dk1"/>
+                </a:solidFill>
+              </a:rPr>
+              <a:t>exploits</a:t>
+            </a:r>
+            <a:r>
+              <a:rPr lang="en-SE" sz="2700" dirty="0" smtClean="0">
+                <a:solidFill>
+                  <a:schemeClr val="dk1"/>
+                </a:solidFill>
+              </a:rPr>
+              <a:t>.</a:t>
+            </a:r>
             <a:endParaRPr sz="2250" dirty="0"/>
           </a:p>
         </p:txBody>
@@ -8953,7 +8990,7 @@
         </p:blipFill>
         <p:spPr>
           <a:xfrm>
-            <a:off x="2879216" y="3504679"/>
+            <a:off x="2879216" y="3693319"/>
             <a:ext cx="3457575" cy="3164681"/>
           </a:xfrm>
           <a:prstGeom prst="rect">
@@ -8973,10 +9010,17 @@
   <p:transition spd="slow">
     <p:cut/>
   </p:transition>
+  <p:timing>
+    <p:tnLst>
+      <p:par>
+        <p:cTn id="1" dur="indefinite" restart="never" nodeType="tmRoot"/>
+      </p:par>
+    </p:tnLst>
+  </p:timing>
 </p:sld>
 </file>
 
-<file path=ppt/slides/slide18.xml><?xml version="1.0" encoding="utf-8"?>
+<file path=ppt/slides/slide17.xml><?xml version="1.0" encoding="utf-8"?>
 <p:sld xmlns:a="http://schemas.openxmlformats.org/drawingml/2006/main" xmlns:r="http://schemas.openxmlformats.org/officeDocument/2006/relationships" xmlns:p="http://schemas.openxmlformats.org/presentationml/2006/main">
   <p:cSld>
     <p:spTree>
@@ -9049,13 +9093,13 @@
         </p:nvSpPr>
         <p:spPr>
           <a:xfrm>
-            <a:off x="323528" y="1196753"/>
-            <a:ext cx="8568952" cy="2304255"/>
+            <a:off x="323528" y="1057002"/>
+            <a:ext cx="8568952" cy="2597149"/>
           </a:xfrm>
         </p:spPr>
         <p:txBody>
           <a:bodyPr>
-            <a:normAutofit fontScale="47500" lnSpcReduction="20000"/>
+            <a:normAutofit fontScale="55000" lnSpcReduction="20000"/>
           </a:bodyPr>
           <a:lstStyle/>
           <a:p>
@@ -9115,8 +9159,8 @@
         </p:blipFill>
         <p:spPr>
           <a:xfrm>
-            <a:off x="2976056" y="3429000"/>
-            <a:ext cx="4008515" cy="3315155"/>
+            <a:off x="2987824" y="3654152"/>
+            <a:ext cx="3708715" cy="3067212"/>
           </a:xfrm>
           <a:prstGeom prst="rect">
             <a:avLst/>
@@ -9135,10 +9179,17 @@
   <p:transition spd="slow">
     <p:cut/>
   </p:transition>
+  <p:timing>
+    <p:tnLst>
+      <p:par>
+        <p:cTn id="1" dur="indefinite" restart="never" nodeType="tmRoot"/>
+      </p:par>
+    </p:tnLst>
+  </p:timing>
 </p:sld>
 </file>
 
-<file path=ppt/slides/slide19.xml><?xml version="1.0" encoding="utf-8"?>
+<file path=ppt/slides/slide18.xml><?xml version="1.0" encoding="utf-8"?>
 <p:sld xmlns:a="http://schemas.openxmlformats.org/drawingml/2006/main" xmlns:r="http://schemas.openxmlformats.org/officeDocument/2006/relationships" xmlns:p="http://schemas.openxmlformats.org/presentationml/2006/main">
   <p:cSld>
     <p:spTree>
@@ -9326,6 +9377,175 @@
   <p:transition spd="slow">
     <p:cut/>
   </p:transition>
+  <p:timing>
+    <p:tnLst>
+      <p:par>
+        <p:cTn id="1" dur="indefinite" restart="never" nodeType="tmRoot"/>
+      </p:par>
+    </p:tnLst>
+  </p:timing>
+</p:sld>
+</file>
+
+<file path=ppt/slides/slide19.xml><?xml version="1.0" encoding="utf-8"?>
+<p:sld xmlns:a="http://schemas.openxmlformats.org/drawingml/2006/main" xmlns:r="http://schemas.openxmlformats.org/officeDocument/2006/relationships" xmlns:p="http://schemas.openxmlformats.org/presentationml/2006/main">
+  <p:cSld>
+    <p:spTree>
+      <p:nvGrpSpPr>
+        <p:cNvPr id="1" name=""/>
+        <p:cNvGrpSpPr/>
+        <p:nvPr/>
+      </p:nvGrpSpPr>
+      <p:grpSpPr>
+        <a:xfrm>
+          <a:off x="0" y="0"/>
+          <a:ext cx="0" cy="0"/>
+          <a:chOff x="0" y="0"/>
+          <a:chExt cx="0" cy="0"/>
+        </a:xfrm>
+      </p:grpSpPr>
+      <p:sp>
+        <p:nvSpPr>
+          <p:cNvPr id="2" name="Title 1">
+            <a:extLst>
+              <a:ext uri="{FF2B5EF4-FFF2-40B4-BE49-F238E27FC236}">
+                <a16:creationId xmlns:a16="http://schemas.microsoft.com/office/drawing/2014/main" id="{5330431B-9ABF-4B73-8101-BD31F535429A}"/>
+              </a:ext>
+            </a:extLst>
+          </p:cNvPr>
+          <p:cNvSpPr>
+            <a:spLocks noGrp="1"/>
+          </p:cNvSpPr>
+          <p:nvPr>
+            <p:ph type="title"/>
+          </p:nvPr>
+        </p:nvSpPr>
+        <p:spPr/>
+        <p:txBody>
+          <a:bodyPr/>
+          <a:lstStyle/>
+          <a:p>
+            <a:r>
+              <a:rPr lang="en-US" dirty="0"/>
+              <a:t>iOS Quiz</a:t>
+            </a:r>
+            <a:endParaRPr lang="en-SE" dirty="0"/>
+          </a:p>
+        </p:txBody>
+      </p:sp>
+      <p:sp>
+        <p:nvSpPr>
+          <p:cNvPr id="3" name="Content Placeholder 2">
+            <a:extLst>
+              <a:ext uri="{FF2B5EF4-FFF2-40B4-BE49-F238E27FC236}">
+                <a16:creationId xmlns:a16="http://schemas.microsoft.com/office/drawing/2014/main" id="{6E719D43-964C-4359-B19C-3938537F0269}"/>
+              </a:ext>
+            </a:extLst>
+          </p:cNvPr>
+          <p:cNvSpPr>
+            <a:spLocks noGrp="1"/>
+          </p:cNvSpPr>
+          <p:nvPr>
+            <p:ph idx="1"/>
+          </p:nvPr>
+        </p:nvSpPr>
+        <p:spPr/>
+        <p:txBody>
+          <a:bodyPr/>
+          <a:lstStyle/>
+          <a:p>
+            <a:r>
+              <a:rPr lang="en-US" dirty="0"/>
+              <a:t>Which are true?</a:t>
+            </a:r>
+          </a:p>
+          <a:p>
+            <a:pPr lvl="1"/>
+            <a:r>
+              <a:rPr lang="en-US" dirty="0"/>
+              <a:t>A. Each app runs in a sandbox and has its own home directory for its files</a:t>
+            </a:r>
+          </a:p>
+          <a:p>
+            <a:pPr lvl="1"/>
+            <a:r>
+              <a:rPr lang="en-US" dirty="0"/>
+              <a:t>B. All iOS apps must be reviewed and approved by Apple</a:t>
+            </a:r>
+          </a:p>
+          <a:p>
+            <a:pPr lvl="1"/>
+            <a:r>
+              <a:rPr lang="en-US" dirty="0"/>
+              <a:t>C. iOS apps can be self-signed by app developers</a:t>
+            </a:r>
+          </a:p>
+          <a:p>
+            <a:r>
+              <a:rPr lang="en-US" dirty="0"/>
+              <a:t>ANS: A, B</a:t>
+            </a:r>
+          </a:p>
+          <a:p>
+            <a:endParaRPr lang="en-US" dirty="0"/>
+          </a:p>
+          <a:p>
+            <a:endParaRPr lang="en-SE" dirty="0"/>
+          </a:p>
+        </p:txBody>
+      </p:sp>
+      <p:sp>
+        <p:nvSpPr>
+          <p:cNvPr id="4" name="Slide Number Placeholder 3">
+            <a:extLst>
+              <a:ext uri="{FF2B5EF4-FFF2-40B4-BE49-F238E27FC236}">
+                <a16:creationId xmlns:a16="http://schemas.microsoft.com/office/drawing/2014/main" id="{8931A669-9D82-4C96-83A7-0CE36A285BB8}"/>
+              </a:ext>
+            </a:extLst>
+          </p:cNvPr>
+          <p:cNvSpPr>
+            <a:spLocks noGrp="1"/>
+          </p:cNvSpPr>
+          <p:nvPr>
+            <p:ph type="sldNum" sz="quarter" idx="12"/>
+          </p:nvPr>
+        </p:nvSpPr>
+        <p:spPr/>
+        <p:txBody>
+          <a:bodyPr/>
+          <a:lstStyle/>
+          <a:p>
+            <a:pPr>
+              <a:defRPr/>
+            </a:pPr>
+            <a:fld id="{F57F456A-00AF-44E6-8D70-638C0D0130FF}" type="slidenum">
+              <a:rPr lang="en-US" altLang="zh-CN" smtClean="0"/>
+              <a:pPr>
+                <a:defRPr/>
+              </a:pPr>
+              <a:t>19</a:t>
+            </a:fld>
+            <a:endParaRPr lang="en-US" altLang="zh-CN" dirty="0"/>
+          </a:p>
+        </p:txBody>
+      </p:sp>
+    </p:spTree>
+    <p:extLst>
+      <p:ext uri="{BB962C8B-B14F-4D97-AF65-F5344CB8AC3E}">
+        <p14:creationId xmlns:p14="http://schemas.microsoft.com/office/powerpoint/2010/main" val="3160729482"/>
+      </p:ext>
+    </p:extLst>
+  </p:cSld>
+  <p:clrMapOvr>
+    <a:masterClrMapping/>
+  </p:clrMapOvr>
+  <p:timing>
+    <p:tnLst>
+      <p:par>
+        <p:cTn id="1" dur="indefinite" restart="never" nodeType="tmRoot"/>
+      </p:par>
+    </p:tnLst>
+  </p:timing>
 </p:sld>
 </file>
 
@@ -9473,165 +9693,17 @@
   <p:clrMapOvr>
     <a:masterClrMapping/>
   </p:clrMapOvr>
+  <p:timing>
+    <p:tnLst>
+      <p:par>
+        <p:cTn id="1" dur="indefinite" restart="never" nodeType="tmRoot"/>
+      </p:par>
+    </p:tnLst>
+  </p:timing>
 </p:sld>
 </file>
 
 <file path=ppt/slides/slide20.xml><?xml version="1.0" encoding="utf-8"?>
-<p:sld xmlns:a="http://schemas.openxmlformats.org/drawingml/2006/main" xmlns:r="http://schemas.openxmlformats.org/officeDocument/2006/relationships" xmlns:p="http://schemas.openxmlformats.org/presentationml/2006/main">
-  <p:cSld>
-    <p:spTree>
-      <p:nvGrpSpPr>
-        <p:cNvPr id="1" name=""/>
-        <p:cNvGrpSpPr/>
-        <p:nvPr/>
-      </p:nvGrpSpPr>
-      <p:grpSpPr>
-        <a:xfrm>
-          <a:off x="0" y="0"/>
-          <a:ext cx="0" cy="0"/>
-          <a:chOff x="0" y="0"/>
-          <a:chExt cx="0" cy="0"/>
-        </a:xfrm>
-      </p:grpSpPr>
-      <p:sp>
-        <p:nvSpPr>
-          <p:cNvPr id="2" name="Title 1">
-            <a:extLst>
-              <a:ext uri="{FF2B5EF4-FFF2-40B4-BE49-F238E27FC236}">
-                <a16:creationId xmlns:a16="http://schemas.microsoft.com/office/drawing/2014/main" id="{5330431B-9ABF-4B73-8101-BD31F535429A}"/>
-              </a:ext>
-            </a:extLst>
-          </p:cNvPr>
-          <p:cNvSpPr>
-            <a:spLocks noGrp="1"/>
-          </p:cNvSpPr>
-          <p:nvPr>
-            <p:ph type="title"/>
-          </p:nvPr>
-        </p:nvSpPr>
-        <p:spPr/>
-        <p:txBody>
-          <a:bodyPr/>
-          <a:lstStyle/>
-          <a:p>
-            <a:r>
-              <a:rPr lang="en-US" dirty="0"/>
-              <a:t>iOS Quiz</a:t>
-            </a:r>
-            <a:endParaRPr lang="en-SE" dirty="0"/>
-          </a:p>
-        </p:txBody>
-      </p:sp>
-      <p:sp>
-        <p:nvSpPr>
-          <p:cNvPr id="3" name="Content Placeholder 2">
-            <a:extLst>
-              <a:ext uri="{FF2B5EF4-FFF2-40B4-BE49-F238E27FC236}">
-                <a16:creationId xmlns:a16="http://schemas.microsoft.com/office/drawing/2014/main" id="{6E719D43-964C-4359-B19C-3938537F0269}"/>
-              </a:ext>
-            </a:extLst>
-          </p:cNvPr>
-          <p:cNvSpPr>
-            <a:spLocks noGrp="1"/>
-          </p:cNvSpPr>
-          <p:nvPr>
-            <p:ph idx="1"/>
-          </p:nvPr>
-        </p:nvSpPr>
-        <p:spPr/>
-        <p:txBody>
-          <a:bodyPr/>
-          <a:lstStyle/>
-          <a:p>
-            <a:r>
-              <a:rPr lang="en-US" dirty="0"/>
-              <a:t>Which are true?</a:t>
-            </a:r>
-          </a:p>
-          <a:p>
-            <a:pPr lvl="1"/>
-            <a:r>
-              <a:rPr lang="en-US" dirty="0"/>
-              <a:t>A. Each app runs in a sandbox and has its own home directory for its files</a:t>
-            </a:r>
-          </a:p>
-          <a:p>
-            <a:pPr lvl="1"/>
-            <a:r>
-              <a:rPr lang="en-US" dirty="0"/>
-              <a:t>B. All iOS apps must be reviewed and approved by Apple</a:t>
-            </a:r>
-          </a:p>
-          <a:p>
-            <a:pPr lvl="1"/>
-            <a:r>
-              <a:rPr lang="en-US" dirty="0"/>
-              <a:t>C. iOS apps can be self-signed by app developers</a:t>
-            </a:r>
-          </a:p>
-          <a:p>
-            <a:r>
-              <a:rPr lang="en-US" dirty="0"/>
-              <a:t>ANS: A, B</a:t>
-            </a:r>
-          </a:p>
-          <a:p>
-            <a:endParaRPr lang="en-US" dirty="0"/>
-          </a:p>
-          <a:p>
-            <a:endParaRPr lang="en-SE" dirty="0"/>
-          </a:p>
-        </p:txBody>
-      </p:sp>
-      <p:sp>
-        <p:nvSpPr>
-          <p:cNvPr id="4" name="Slide Number Placeholder 3">
-            <a:extLst>
-              <a:ext uri="{FF2B5EF4-FFF2-40B4-BE49-F238E27FC236}">
-                <a16:creationId xmlns:a16="http://schemas.microsoft.com/office/drawing/2014/main" id="{8931A669-9D82-4C96-83A7-0CE36A285BB8}"/>
-              </a:ext>
-            </a:extLst>
-          </p:cNvPr>
-          <p:cNvSpPr>
-            <a:spLocks noGrp="1"/>
-          </p:cNvSpPr>
-          <p:nvPr>
-            <p:ph type="sldNum" sz="quarter" idx="12"/>
-          </p:nvPr>
-        </p:nvSpPr>
-        <p:spPr/>
-        <p:txBody>
-          <a:bodyPr/>
-          <a:lstStyle/>
-          <a:p>
-            <a:pPr>
-              <a:defRPr/>
-            </a:pPr>
-            <a:fld id="{F57F456A-00AF-44E6-8D70-638C0D0130FF}" type="slidenum">
-              <a:rPr lang="en-US" altLang="zh-CN" smtClean="0"/>
-              <a:pPr>
-                <a:defRPr/>
-              </a:pPr>
-              <a:t>20</a:t>
-            </a:fld>
-            <a:endParaRPr lang="en-US" altLang="zh-CN" dirty="0"/>
-          </a:p>
-        </p:txBody>
-      </p:sp>
-    </p:spTree>
-    <p:extLst>
-      <p:ext uri="{BB962C8B-B14F-4D97-AF65-F5344CB8AC3E}">
-        <p14:creationId xmlns:p14="http://schemas.microsoft.com/office/powerpoint/2010/main" val="3160729482"/>
-      </p:ext>
-    </p:extLst>
-  </p:cSld>
-  <p:clrMapOvr>
-    <a:masterClrMapping/>
-  </p:clrMapOvr>
-</p:sld>
-</file>
-
-<file path=ppt/slides/slide21.xml><?xml version="1.0" encoding="utf-8"?>
 <p:sld xmlns:a="http://schemas.openxmlformats.org/drawingml/2006/main" xmlns:r="http://schemas.openxmlformats.org/officeDocument/2006/relationships" xmlns:p="http://schemas.openxmlformats.org/presentationml/2006/main">
   <p:cSld>
     <p:spTree>
@@ -9704,13 +9776,13 @@
         </p:nvSpPr>
         <p:spPr>
           <a:xfrm>
-            <a:off x="323528" y="1057003"/>
-            <a:ext cx="8568952" cy="1651918"/>
+            <a:off x="323528" y="1057002"/>
+            <a:ext cx="8568952" cy="1867942"/>
           </a:xfrm>
         </p:spPr>
         <p:txBody>
           <a:bodyPr>
-            <a:normAutofit fontScale="40000" lnSpcReduction="20000"/>
+            <a:normAutofit fontScale="47500" lnSpcReduction="20000"/>
           </a:bodyPr>
           <a:lstStyle/>
           <a:p>
@@ -9726,7 +9798,15 @@
           <a:p>
             <a:r>
               <a:rPr lang="en-US" dirty="0"/>
-              <a:t>Each application running on an Android device runs its own instance of the Dalvik Virtual Machine (VM). Programs are commonly written in Java and compiled to bytecode for the Java virtual machine, which is then translated to Dalvik bytecode. The compact Dalvik Executable format is designed for systems such as smartphones that are constrained in terms of memory and processor speed.</a:t>
+              <a:t>Each application </a:t>
+            </a:r>
+            <a:r>
+              <a:rPr lang="en-US" dirty="0" smtClean="0"/>
+              <a:t>runs </a:t>
+            </a:r>
+            <a:r>
+              <a:rPr lang="en-US" dirty="0"/>
+              <a:t>its own instance of the Dalvik Virtual Machine (VM). Programs are commonly written in Java and compiled to bytecode for the Java virtual machine, which is then translated to Dalvik bytecode. The compact Dalvik Executable format is designed for systems such as smartphones that are constrained in terms of memory and processor speed.</a:t>
             </a:r>
           </a:p>
         </p:txBody>
@@ -9747,8 +9827,8 @@
         </p:blipFill>
         <p:spPr>
           <a:xfrm>
-            <a:off x="1679066" y="2547416"/>
-            <a:ext cx="5857875" cy="4121944"/>
+            <a:off x="1763688" y="2930764"/>
+            <a:ext cx="5701245" cy="3744416"/>
           </a:xfrm>
           <a:prstGeom prst="rect">
             <a:avLst/>
@@ -9767,10 +9847,17 @@
   <p:transition spd="slow">
     <p:cut/>
   </p:transition>
+  <p:timing>
+    <p:tnLst>
+      <p:par>
+        <p:cTn id="1" dur="indefinite" restart="never" nodeType="tmRoot"/>
+      </p:par>
+    </p:tnLst>
+  </p:timing>
 </p:sld>
 </file>
 
-<file path=ppt/slides/slide22.xml><?xml version="1.0" encoding="utf-8"?>
+<file path=ppt/slides/slide21.xml><?xml version="1.0" encoding="utf-8"?>
 <p:sld xmlns:a="http://schemas.openxmlformats.org/drawingml/2006/main" xmlns:r="http://schemas.openxmlformats.org/officeDocument/2006/relationships" xmlns:p="http://schemas.openxmlformats.org/presentationml/2006/main">
   <p:cSld>
     <p:spTree>
@@ -10089,10 +10176,17 @@
   <p:transition spd="slow">
     <p:cut/>
   </p:transition>
+  <p:timing>
+    <p:tnLst>
+      <p:par>
+        <p:cTn id="1" dur="indefinite" restart="never" nodeType="tmRoot"/>
+      </p:par>
+    </p:tnLst>
+  </p:timing>
 </p:sld>
 </file>
 
-<file path=ppt/slides/slide23.xml><?xml version="1.0" encoding="utf-8"?>
+<file path=ppt/slides/slide22.xml><?xml version="1.0" encoding="utf-8"?>
 <p:sld xmlns:a="http://schemas.openxmlformats.org/drawingml/2006/main" xmlns:r="http://schemas.openxmlformats.org/officeDocument/2006/relationships" xmlns:p="http://schemas.openxmlformats.org/presentationml/2006/main">
   <p:cSld>
     <p:spTree>
@@ -10274,10 +10368,17 @@
   <p:transition spd="slow">
     <p:cut/>
   </p:transition>
+  <p:timing>
+    <p:tnLst>
+      <p:par>
+        <p:cTn id="1" dur="indefinite" restart="never" nodeType="tmRoot"/>
+      </p:par>
+    </p:tnLst>
+  </p:timing>
 </p:sld>
 </file>
 
-<file path=ppt/slides/slide24.xml><?xml version="1.0" encoding="utf-8"?>
+<file path=ppt/slides/slide23.xml><?xml version="1.0" encoding="utf-8"?>
 <p:sld xmlns:a="http://schemas.openxmlformats.org/drawingml/2006/main" xmlns:r="http://schemas.openxmlformats.org/officeDocument/2006/relationships" xmlns:p="http://schemas.openxmlformats.org/presentationml/2006/main">
   <p:cSld>
     <p:spTree>
@@ -10459,6 +10560,171 @@
   <p:transition spd="slow">
     <p:cut/>
   </p:transition>
+  <p:timing>
+    <p:tnLst>
+      <p:par>
+        <p:cTn id="1" dur="indefinite" restart="never" nodeType="tmRoot"/>
+      </p:par>
+    </p:tnLst>
+  </p:timing>
+</p:sld>
+</file>
+
+<file path=ppt/slides/slide24.xml><?xml version="1.0" encoding="utf-8"?>
+<p:sld xmlns:a="http://schemas.openxmlformats.org/drawingml/2006/main" xmlns:r="http://schemas.openxmlformats.org/officeDocument/2006/relationships" xmlns:p="http://schemas.openxmlformats.org/presentationml/2006/main">
+  <p:cSld>
+    <p:spTree>
+      <p:nvGrpSpPr>
+        <p:cNvPr id="1" name=""/>
+        <p:cNvGrpSpPr/>
+        <p:nvPr/>
+      </p:nvGrpSpPr>
+      <p:grpSpPr>
+        <a:xfrm>
+          <a:off x="0" y="0"/>
+          <a:ext cx="0" cy="0"/>
+          <a:chOff x="0" y="0"/>
+          <a:chExt cx="0" cy="0"/>
+        </a:xfrm>
+      </p:grpSpPr>
+      <p:sp>
+        <p:nvSpPr>
+          <p:cNvPr id="2" name="Title 1">
+            <a:extLst>
+              <a:ext uri="{FF2B5EF4-FFF2-40B4-BE49-F238E27FC236}">
+                <a16:creationId xmlns:a16="http://schemas.microsoft.com/office/drawing/2014/main" id="{5C6CA7EF-7D10-481B-803D-3FCD8224C56D}"/>
+              </a:ext>
+            </a:extLst>
+          </p:cNvPr>
+          <p:cNvSpPr>
+            <a:spLocks noGrp="1"/>
+          </p:cNvSpPr>
+          <p:nvPr>
+            <p:ph type="title"/>
+          </p:nvPr>
+        </p:nvSpPr>
+        <p:spPr/>
+        <p:txBody>
+          <a:bodyPr/>
+          <a:lstStyle/>
+          <a:p>
+            <a:r>
+              <a:rPr lang="en-US" dirty="0"/>
+              <a:t>Android Apps Quiz</a:t>
+            </a:r>
+            <a:endParaRPr lang="en-SE" dirty="0"/>
+          </a:p>
+        </p:txBody>
+      </p:sp>
+      <p:sp>
+        <p:nvSpPr>
+          <p:cNvPr id="3" name="Content Placeholder 2">
+            <a:extLst>
+              <a:ext uri="{FF2B5EF4-FFF2-40B4-BE49-F238E27FC236}">
+                <a16:creationId xmlns:a16="http://schemas.microsoft.com/office/drawing/2014/main" id="{6F76D868-E93E-479F-BFB1-AC77B1CEE85E}"/>
+              </a:ext>
+            </a:extLst>
+          </p:cNvPr>
+          <p:cNvSpPr>
+            <a:spLocks noGrp="1"/>
+          </p:cNvSpPr>
+          <p:nvPr>
+            <p:ph idx="1"/>
+          </p:nvPr>
+        </p:nvSpPr>
+        <p:spPr/>
+        <p:txBody>
+          <a:bodyPr/>
+          <a:lstStyle/>
+          <a:p>
+            <a:r>
+              <a:rPr lang="en-US" dirty="0"/>
+              <a:t>Which are true?</a:t>
+            </a:r>
+          </a:p>
+          <a:p>
+            <a:pPr lvl="1"/>
+            <a:r>
+              <a:rPr lang="en-US" dirty="0"/>
+              <a:t>A. Android apps can be self-signed. </a:t>
+            </a:r>
+          </a:p>
+          <a:p>
+            <a:pPr lvl="1"/>
+            <a:r>
+              <a:rPr lang="en-US" dirty="0"/>
+              <a:t>B. Android apps can have more powerful permissions than iOS apps.</a:t>
+            </a:r>
+          </a:p>
+          <a:p>
+            <a:r>
+              <a:rPr lang="en-US" dirty="0"/>
+              <a:t>ANS: A, B</a:t>
+            </a:r>
+          </a:p>
+          <a:p>
+            <a:endParaRPr lang="en-US" dirty="0"/>
+          </a:p>
+          <a:p>
+            <a:endParaRPr lang="en-US" dirty="0"/>
+          </a:p>
+          <a:p>
+            <a:endParaRPr lang="en-SE" dirty="0"/>
+          </a:p>
+        </p:txBody>
+      </p:sp>
+      <p:sp>
+        <p:nvSpPr>
+          <p:cNvPr id="4" name="Slide Number Placeholder 3">
+            <a:extLst>
+              <a:ext uri="{FF2B5EF4-FFF2-40B4-BE49-F238E27FC236}">
+                <a16:creationId xmlns:a16="http://schemas.microsoft.com/office/drawing/2014/main" id="{D29F71C4-B5D9-4A01-8CF2-214AF4FD4F72}"/>
+              </a:ext>
+            </a:extLst>
+          </p:cNvPr>
+          <p:cNvSpPr>
+            <a:spLocks noGrp="1"/>
+          </p:cNvSpPr>
+          <p:nvPr>
+            <p:ph type="sldNum" sz="quarter" idx="12"/>
+          </p:nvPr>
+        </p:nvSpPr>
+        <p:spPr/>
+        <p:txBody>
+          <a:bodyPr/>
+          <a:lstStyle/>
+          <a:p>
+            <a:pPr>
+              <a:defRPr/>
+            </a:pPr>
+            <a:fld id="{F57F456A-00AF-44E6-8D70-638C0D0130FF}" type="slidenum">
+              <a:rPr lang="en-US" altLang="zh-CN" smtClean="0"/>
+              <a:pPr>
+                <a:defRPr/>
+              </a:pPr>
+              <a:t>24</a:t>
+            </a:fld>
+            <a:endParaRPr lang="en-US" altLang="zh-CN" dirty="0"/>
+          </a:p>
+        </p:txBody>
+      </p:sp>
+    </p:spTree>
+    <p:extLst>
+      <p:ext uri="{BB962C8B-B14F-4D97-AF65-F5344CB8AC3E}">
+        <p14:creationId xmlns:p14="http://schemas.microsoft.com/office/powerpoint/2010/main" val="3682464315"/>
+      </p:ext>
+    </p:extLst>
+  </p:cSld>
+  <p:clrMapOvr>
+    <a:masterClrMapping/>
+  </p:clrMapOvr>
+  <p:timing>
+    <p:tnLst>
+      <p:par>
+        <p:cTn id="1" dur="indefinite" restart="never" nodeType="tmRoot"/>
+      </p:par>
+    </p:tnLst>
+  </p:timing>
 </p:sld>
 </file>
 
@@ -10484,157 +10750,6 @@
           <p:cNvPr id="2" name="Title 1">
             <a:extLst>
               <a:ext uri="{FF2B5EF4-FFF2-40B4-BE49-F238E27FC236}">
-                <a16:creationId xmlns:a16="http://schemas.microsoft.com/office/drawing/2014/main" id="{5C6CA7EF-7D10-481B-803D-3FCD8224C56D}"/>
-              </a:ext>
-            </a:extLst>
-          </p:cNvPr>
-          <p:cNvSpPr>
-            <a:spLocks noGrp="1"/>
-          </p:cNvSpPr>
-          <p:nvPr>
-            <p:ph type="title"/>
-          </p:nvPr>
-        </p:nvSpPr>
-        <p:spPr/>
-        <p:txBody>
-          <a:bodyPr/>
-          <a:lstStyle/>
-          <a:p>
-            <a:r>
-              <a:rPr lang="en-US" dirty="0"/>
-              <a:t>Android Apps Quiz</a:t>
-            </a:r>
-            <a:endParaRPr lang="en-SE" dirty="0"/>
-          </a:p>
-        </p:txBody>
-      </p:sp>
-      <p:sp>
-        <p:nvSpPr>
-          <p:cNvPr id="3" name="Content Placeholder 2">
-            <a:extLst>
-              <a:ext uri="{FF2B5EF4-FFF2-40B4-BE49-F238E27FC236}">
-                <a16:creationId xmlns:a16="http://schemas.microsoft.com/office/drawing/2014/main" id="{6F76D868-E93E-479F-BFB1-AC77B1CEE85E}"/>
-              </a:ext>
-            </a:extLst>
-          </p:cNvPr>
-          <p:cNvSpPr>
-            <a:spLocks noGrp="1"/>
-          </p:cNvSpPr>
-          <p:nvPr>
-            <p:ph idx="1"/>
-          </p:nvPr>
-        </p:nvSpPr>
-        <p:spPr/>
-        <p:txBody>
-          <a:bodyPr/>
-          <a:lstStyle/>
-          <a:p>
-            <a:r>
-              <a:rPr lang="en-US" dirty="0"/>
-              <a:t>Which are true?</a:t>
-            </a:r>
-          </a:p>
-          <a:p>
-            <a:pPr lvl="1"/>
-            <a:r>
-              <a:rPr lang="en-US" dirty="0"/>
-              <a:t>A. Android apps can be self-signed. </a:t>
-            </a:r>
-          </a:p>
-          <a:p>
-            <a:pPr lvl="1"/>
-            <a:r>
-              <a:rPr lang="en-US" dirty="0"/>
-              <a:t>B. Android apps can have more powerful permissions than iOS apps.</a:t>
-            </a:r>
-          </a:p>
-          <a:p>
-            <a:r>
-              <a:rPr lang="en-US" dirty="0"/>
-              <a:t>ANS: A, B</a:t>
-            </a:r>
-          </a:p>
-          <a:p>
-            <a:endParaRPr lang="en-US" dirty="0"/>
-          </a:p>
-          <a:p>
-            <a:endParaRPr lang="en-US" dirty="0"/>
-          </a:p>
-          <a:p>
-            <a:endParaRPr lang="en-SE" dirty="0"/>
-          </a:p>
-        </p:txBody>
-      </p:sp>
-      <p:sp>
-        <p:nvSpPr>
-          <p:cNvPr id="4" name="Slide Number Placeholder 3">
-            <a:extLst>
-              <a:ext uri="{FF2B5EF4-FFF2-40B4-BE49-F238E27FC236}">
-                <a16:creationId xmlns:a16="http://schemas.microsoft.com/office/drawing/2014/main" id="{D29F71C4-B5D9-4A01-8CF2-214AF4FD4F72}"/>
-              </a:ext>
-            </a:extLst>
-          </p:cNvPr>
-          <p:cNvSpPr>
-            <a:spLocks noGrp="1"/>
-          </p:cNvSpPr>
-          <p:nvPr>
-            <p:ph type="sldNum" sz="quarter" idx="12"/>
-          </p:nvPr>
-        </p:nvSpPr>
-        <p:spPr/>
-        <p:txBody>
-          <a:bodyPr/>
-          <a:lstStyle/>
-          <a:p>
-            <a:pPr>
-              <a:defRPr/>
-            </a:pPr>
-            <a:fld id="{F57F456A-00AF-44E6-8D70-638C0D0130FF}" type="slidenum">
-              <a:rPr lang="en-US" altLang="zh-CN" smtClean="0"/>
-              <a:pPr>
-                <a:defRPr/>
-              </a:pPr>
-              <a:t>25</a:t>
-            </a:fld>
-            <a:endParaRPr lang="en-US" altLang="zh-CN" dirty="0"/>
-          </a:p>
-        </p:txBody>
-      </p:sp>
-    </p:spTree>
-    <p:extLst>
-      <p:ext uri="{BB962C8B-B14F-4D97-AF65-F5344CB8AC3E}">
-        <p14:creationId xmlns:p14="http://schemas.microsoft.com/office/powerpoint/2010/main" val="3682464315"/>
-      </p:ext>
-    </p:extLst>
-  </p:cSld>
-  <p:clrMapOvr>
-    <a:masterClrMapping/>
-  </p:clrMapOvr>
-</p:sld>
-</file>
-
-<file path=ppt/slides/slide26.xml><?xml version="1.0" encoding="utf-8"?>
-<p:sld xmlns:a="http://schemas.openxmlformats.org/drawingml/2006/main" xmlns:r="http://schemas.openxmlformats.org/officeDocument/2006/relationships" xmlns:p="http://schemas.openxmlformats.org/presentationml/2006/main">
-  <p:cSld>
-    <p:spTree>
-      <p:nvGrpSpPr>
-        <p:cNvPr id="1" name=""/>
-        <p:cNvGrpSpPr/>
-        <p:nvPr/>
-      </p:nvGrpSpPr>
-      <p:grpSpPr>
-        <a:xfrm>
-          <a:off x="0" y="0"/>
-          <a:ext cx="0" cy="0"/>
-          <a:chOff x="0" y="0"/>
-          <a:chExt cx="0" cy="0"/>
-        </a:xfrm>
-      </p:grpSpPr>
-      <p:sp>
-        <p:nvSpPr>
-          <p:cNvPr id="2" name="Title 1">
-            <a:extLst>
-              <a:ext uri="{FF2B5EF4-FFF2-40B4-BE49-F238E27FC236}">
                 <a16:creationId xmlns:a16="http://schemas.microsoft.com/office/drawing/2014/main" id="{D5CFB254-DBAB-4A88-A66C-E992F42F147A}"/>
               </a:ext>
             </a:extLst>
@@ -10698,7 +10813,19 @@
           <a:p>
             <a:r>
               <a:rPr lang="en-US" dirty="0"/>
-              <a:t>iOS has cryptographic keys and modules built into its device hardware, uses mandatory code signing and a very restricted app distribution model, and runs app in a sandbox with run-time protection such as ASLR and DEP</a:t>
+              <a:t>iOS has cryptographic keys and modules built into its device hardware, uses mandatory code signing and a very restricted app distribution model, and runs app in a sandbox with run-time protection </a:t>
+            </a:r>
+            <a:r>
+              <a:rPr lang="en-SE" dirty="0" smtClean="0"/>
+              <a:t>mechanisms </a:t>
+            </a:r>
+            <a:r>
+              <a:rPr lang="en-US" dirty="0" smtClean="0"/>
+              <a:t>such </a:t>
+            </a:r>
+            <a:r>
+              <a:rPr lang="en-US" dirty="0"/>
+              <a:t>as ASLR and DEP</a:t>
             </a:r>
           </a:p>
           <a:p>
@@ -10741,7 +10868,7 @@
               <a:pPr>
                 <a:defRPr/>
               </a:pPr>
-              <a:t>26</a:t>
+              <a:t>25</a:t>
             </a:fld>
             <a:endParaRPr lang="en-US" altLang="zh-CN" dirty="0"/>
           </a:p>
@@ -10757,6 +10884,13 @@
   <p:clrMapOvr>
     <a:masterClrMapping/>
   </p:clrMapOvr>
+  <p:timing>
+    <p:tnLst>
+      <p:par>
+        <p:cTn id="1" dur="indefinite" restart="never" nodeType="tmRoot"/>
+      </p:par>
+    </p:tnLst>
+  </p:timing>
 </p:sld>
 </file>
 
@@ -10899,6 +11033,13 @@
   <p:transition spd="slow">
     <p:cut/>
   </p:transition>
+  <p:timing>
+    <p:tnLst>
+      <p:par>
+        <p:cTn id="1" dur="indefinite" restart="never" nodeType="tmRoot"/>
+      </p:par>
+    </p:tnLst>
+  </p:timing>
 </p:sld>
 </file>
 
@@ -10998,7 +11139,15 @@
             </a:r>
             <a:r>
               <a:rPr lang="en-US" dirty="0"/>
-              <a:t>is transmitted in ´the air, an open medium.</a:t>
+              <a:t>is transmitted in </a:t>
+            </a:r>
+            <a:r>
+              <a:rPr lang="en-US" dirty="0" smtClean="0"/>
+              <a:t>the </a:t>
+            </a:r>
+            <a:r>
+              <a:rPr lang="en-US" dirty="0"/>
+              <a:t>air, an open medium.</a:t>
             </a:r>
             <a:endParaRPr lang="en-US" sz="3200" dirty="0"/>
           </a:p>
@@ -11078,6 +11227,13 @@
   <p:transition spd="slow">
     <p:cut/>
   </p:transition>
+  <p:timing>
+    <p:tnLst>
+      <p:par>
+        <p:cTn id="1" dur="indefinite" restart="never" nodeType="tmRoot"/>
+      </p:par>
+    </p:tnLst>
+  </p:timing>
 </p:sld>
 </file>
 
@@ -11236,6 +11392,13 @@
   <p:clrMapOvr>
     <a:masterClrMapping/>
   </p:clrMapOvr>
+  <p:timing>
+    <p:tnLst>
+      <p:par>
+        <p:cTn id="1" dur="indefinite" restart="never" nodeType="tmRoot"/>
+      </p:par>
+    </p:tnLst>
+  </p:timing>
 </p:sld>
 </file>
 
@@ -11314,19 +11477,24 @@
           <a:lstStyle/>
           <a:p>
             <a:r>
+              <a:rPr lang="en-SE" dirty="0" smtClean="0"/>
+              <a:t>A</a:t>
+            </a:r>
+            <a:r>
+              <a:rPr lang="en-US" dirty="0" err="1" smtClean="0"/>
+              <a:t>ccess</a:t>
+            </a:r>
+            <a:r>
+              <a:rPr lang="en-US" dirty="0" smtClean="0"/>
+              <a:t> </a:t>
+            </a:r>
+            <a:r>
               <a:rPr lang="en-US" dirty="0"/>
-              <a:t>Advantages over WEP</a:t>
-            </a:r>
-          </a:p>
-          <a:p>
-            <a:pPr lvl="1"/>
-            <a:r>
-              <a:rPr lang="en-US" dirty="0"/>
-              <a:t>access control model is based on 802.1X, with Extensible Authentication Protocol (EAP), a carrier protocol designed to transport the messages of different authentication protocols (e.g., TLS)</a:t>
-            </a:r>
-          </a:p>
-          <a:p>
-            <a:pPr lvl="1" indent="-161925">
+              <a:t>control model is based on 802.1X, with Extensible Authentication Protocol (EAP), a carrier protocol designed to transport the messages of different authentication protocols (e.g., TLS)</a:t>
+            </a:r>
+          </a:p>
+          <a:p>
+            <a:pPr indent="-161925">
               <a:lnSpc>
                 <a:spcPct val="115000"/>
               </a:lnSpc>
@@ -11345,7 +11513,7 @@
             </a:r>
           </a:p>
           <a:p>
-            <a:pPr lvl="1" indent="-161925">
+            <a:pPr indent="-161925">
               <a:lnSpc>
                 <a:spcPct val="115000"/>
               </a:lnSpc>
@@ -11364,7 +11532,7 @@
             </a:r>
           </a:p>
           <a:p>
-            <a:pPr lvl="1" indent="-161925">
+            <a:pPr indent="-161925">
               <a:lnSpc>
                 <a:spcPct val="115000"/>
               </a:lnSpc>
@@ -11387,7 +11555,7 @@
             </a:r>
           </a:p>
           <a:p>
-            <a:pPr lvl="1" indent="-161925">
+            <a:pPr indent="-161925">
               <a:lnSpc>
                 <a:spcPct val="115000"/>
               </a:lnSpc>
@@ -11468,6 +11636,13 @@
   <p:clrMapOvr>
     <a:masterClrMapping/>
   </p:clrMapOvr>
+  <p:timing>
+    <p:tnLst>
+      <p:par>
+        <p:cTn id="1" dur="indefinite" restart="never" nodeType="tmRoot"/>
+      </p:par>
+    </p:tnLst>
+  </p:timing>
 </p:sld>
 </file>
 
@@ -11551,13 +11726,37 @@
         </p:spPr>
         <p:txBody>
           <a:bodyPr>
-            <a:normAutofit fontScale="62500" lnSpcReduction="20000"/>
+            <a:normAutofit fontScale="70000" lnSpcReduction="20000"/>
           </a:bodyPr>
           <a:lstStyle/>
           <a:p>
             <a:r>
               <a:rPr lang="en-US" dirty="0"/>
-              <a:t>It combines software and hardware features to provide security.</a:t>
+              <a:t>It combines </a:t>
+            </a:r>
+            <a:r>
+              <a:rPr lang="en-US" dirty="0" smtClean="0"/>
+              <a:t>S</a:t>
+            </a:r>
+            <a:r>
+              <a:rPr lang="en-SE" dirty="0" smtClean="0"/>
+              <a:t>W </a:t>
+            </a:r>
+            <a:r>
+              <a:rPr lang="en-US" dirty="0" smtClean="0"/>
+              <a:t>and </a:t>
+            </a:r>
+            <a:r>
+              <a:rPr lang="en-SE" dirty="0" smtClean="0"/>
+              <a:t>HW</a:t>
+            </a:r>
+            <a:r>
+              <a:rPr lang="en-US" dirty="0" smtClean="0"/>
+              <a:t> </a:t>
+            </a:r>
+            <a:r>
+              <a:rPr lang="en-US" dirty="0"/>
+              <a:t>features to provide security.</a:t>
             </a:r>
           </a:p>
           <a:p>
@@ -11675,6 +11874,13 @@
   <p:transition spd="slow">
     <p:cut/>
   </p:transition>
+  <p:timing>
+    <p:tnLst>
+      <p:par>
+        <p:cTn id="1" dur="indefinite" restart="never" nodeType="tmRoot"/>
+      </p:par>
+    </p:tnLst>
+  </p:timing>
 </p:sld>
 </file>
 
@@ -11749,7 +11955,19 @@
           <a:p>
             <a:r>
               <a:rPr lang="en-US" dirty="0"/>
-              <a:t>Each iOS device has a dedicated AES-256 crypto engine</a:t>
+              <a:t>Each iOS device has a dedicated AES-256 </a:t>
+            </a:r>
+            <a:r>
+              <a:rPr lang="en-SE" dirty="0" smtClean="0"/>
+              <a:t>HW </a:t>
+            </a:r>
+            <a:r>
+              <a:rPr lang="en-US" dirty="0" smtClean="0"/>
+              <a:t>crypto </a:t>
+            </a:r>
+            <a:r>
+              <a:rPr lang="en-US" dirty="0"/>
+              <a:t>engine</a:t>
             </a:r>
           </a:p>
           <a:p>
@@ -11784,7 +12002,19 @@
           <a:p>
             <a:r>
               <a:rPr lang="en-US" dirty="0"/>
-              <a:t>The UID and GID keys are burned into the chip and can only be accessed by the Crypto Engine</a:t>
+              <a:t>The UID and GID keys are burned into the </a:t>
+            </a:r>
+            <a:r>
+              <a:rPr lang="en-SE" dirty="0" smtClean="0"/>
+              <a:t>HW</a:t>
+            </a:r>
+            <a:r>
+              <a:rPr lang="en-US" dirty="0" smtClean="0"/>
+              <a:t> </a:t>
+            </a:r>
+            <a:r>
+              <a:rPr lang="en-US" dirty="0"/>
+              <a:t>and can only be accessed by the Crypto Engine</a:t>
             </a:r>
             <a:endParaRPr lang="en-SE" dirty="0"/>
           </a:p>
@@ -11835,6 +12065,13 @@
   <p:clrMapOvr>
     <a:masterClrMapping/>
   </p:clrMapOvr>
+  <p:timing>
+    <p:tnLst>
+      <p:par>
+        <p:cTn id="1" dur="indefinite" restart="never" nodeType="tmRoot"/>
+      </p:par>
+    </p:tnLst>
+  </p:timing>
 </p:sld>
 </file>
 
@@ -11923,7 +12160,19 @@
           <a:p>
             <a:r>
               <a:rPr lang="en-US" dirty="0"/>
-              <a:t>The security of a device should be established when the device is turned on initially, by a chain of trust where each step ensures that the next is signed by Apple.</a:t>
+              <a:t>The security of a device </a:t>
+            </a:r>
+            <a:r>
+              <a:rPr lang="en-SE" dirty="0" smtClean="0"/>
+              <a:t>is</a:t>
+            </a:r>
+            <a:r>
+              <a:rPr lang="en-US" dirty="0" smtClean="0"/>
+              <a:t> </a:t>
+            </a:r>
+            <a:r>
+              <a:rPr lang="en-US" dirty="0"/>
+              <a:t>established when the device is turned on initially, by a chain of trust where each step ensures that the next is signed by Apple.</a:t>
             </a:r>
           </a:p>
           <a:p>
@@ -11998,6 +12247,13 @@
   <p:transition spd="slow">
     <p:cut/>
   </p:transition>
+  <p:timing>
+    <p:tnLst>
+      <p:par>
+        <p:cTn id="1" dur="indefinite" restart="never" nodeType="tmRoot"/>
+      </p:par>
+    </p:tnLst>
+  </p:timing>
 </p:sld>
 </file>
 

--- a/InfoSec/PPTs/L15-CH24-Wireless Mobile Security.pptx
+++ b/InfoSec/PPTs/L15-CH24-Wireless Mobile Security.pptx
@@ -313,7 +313,7 @@
             <a:fld id="{999DDEF9-8F79-3F4A-8C1A-CB2E900DCD92}" type="datetimeFigureOut">
               <a:rPr lang="en-US" smtClean="0"/>
               <a:pPr/>
-              <a:t>6/11/2020</a:t>
+              <a:t>5/4/2021</a:t>
             </a:fld>
             <a:endParaRPr lang="en-US"/>
           </a:p>
@@ -7518,31 +7518,6 @@
       </p:sp>
       <p:sp>
         <p:nvSpPr>
-          <p:cNvPr id="4" name="Subtitle 3">
-            <a:extLst>
-              <a:ext uri="{FF2B5EF4-FFF2-40B4-BE49-F238E27FC236}">
-                <a16:creationId xmlns:a16="http://schemas.microsoft.com/office/drawing/2014/main" id="{AE50EE00-415B-4557-9062-379FD139A177}"/>
-              </a:ext>
-            </a:extLst>
-          </p:cNvPr>
-          <p:cNvSpPr>
-            <a:spLocks noGrp="1"/>
-          </p:cNvSpPr>
-          <p:nvPr>
-            <p:ph type="subTitle" idx="1"/>
-          </p:nvPr>
-        </p:nvSpPr>
-        <p:spPr/>
-        <p:txBody>
-          <a:bodyPr/>
-          <a:lstStyle/>
-          <a:p>
-            <a:endParaRPr lang="en-SE"/>
-          </a:p>
-        </p:txBody>
-      </p:sp>
-      <p:sp>
-        <p:nvSpPr>
           <p:cNvPr id="7" name="TextBox 6"/>
           <p:cNvSpPr txBox="1"/>
           <p:nvPr/>
@@ -7564,6 +7539,48 @@
           <a:lstStyle/>
           <a:p>
             <a:endParaRPr lang="en-US" dirty="0"/>
+          </a:p>
+        </p:txBody>
+      </p:sp>
+      <p:sp>
+        <p:nvSpPr>
+          <p:cNvPr id="5" name="Subtitle 3">
+            <a:extLst>
+              <a:ext uri="{FF2B5EF4-FFF2-40B4-BE49-F238E27FC236}">
+                <a16:creationId xmlns:a16="http://schemas.microsoft.com/office/drawing/2014/main" id="{AE50EE00-415B-4557-9062-379FD139A177}"/>
+              </a:ext>
+            </a:extLst>
+          </p:cNvPr>
+          <p:cNvSpPr>
+            <a:spLocks noGrp="1"/>
+          </p:cNvSpPr>
+          <p:nvPr>
+            <p:ph type="subTitle" idx="1"/>
+          </p:nvPr>
+        </p:nvSpPr>
+        <p:spPr>
+          <a:xfrm>
+            <a:off x="1371600" y="4509120"/>
+            <a:ext cx="6400800" cy="1129680"/>
+          </a:xfrm>
+        </p:spPr>
+        <p:txBody>
+          <a:bodyPr/>
+          <a:lstStyle/>
+          <a:p>
+            <a:r>
+              <a:rPr lang="en-US" dirty="0"/>
+              <a:t>ZJU </a:t>
+            </a:r>
+            <a:r>
+              <a:rPr lang="en-US" dirty="0" smtClean="0"/>
+              <a:t>202</a:t>
+            </a:r>
+            <a:r>
+              <a:rPr lang="en-SE" dirty="0" smtClean="0"/>
+              <a:t>1</a:t>
+            </a:r>
+            <a:endParaRPr lang="en-SE" dirty="0"/>
           </a:p>
         </p:txBody>
       </p:sp>

--- a/InfoSec/PPTs/L15-CH24-Wireless Mobile Security.pptx
+++ b/InfoSec/PPTs/L15-CH24-Wireless Mobile Security.pptx
@@ -313,7 +313,7 @@
             <a:fld id="{999DDEF9-8F79-3F4A-8C1A-CB2E900DCD92}" type="datetimeFigureOut">
               <a:rPr lang="en-US" smtClean="0"/>
               <a:pPr/>
-              <a:t>6/11/2020</a:t>
+              <a:t>5/4/2021</a:t>
             </a:fld>
             <a:endParaRPr lang="en-US"/>
           </a:p>
@@ -1402,10 +1402,9 @@
           <a:lstStyle/>
           <a:p>
             <a:r>
-              <a:rPr lang="en-US" dirty="0" smtClean="0"/>
+              <a:rPr lang="en-US" dirty="0"/>
               <a:t>https://developer.apple.com/support/code-signing/</a:t>
             </a:r>
-            <a:endParaRPr lang="en-US" dirty="0"/>
           </a:p>
         </p:txBody>
       </p:sp>
@@ -2040,7 +2039,7 @@
               <a:defRPr/>
             </a:pPr>
             <a:r>
-              <a:rPr lang="en-SE" sz="1200" dirty="0" smtClean="0">
+              <a:rPr lang="en-SE" sz="1200" dirty="0">
                 <a:solidFill>
                   <a:schemeClr val="dk1"/>
                 </a:solidFill>
@@ -2048,7 +2047,7 @@
               <a:t>, </a:t>
             </a:r>
             <a:r>
-              <a:rPr lang="en-US" sz="1200" dirty="0" smtClean="0">
+              <a:rPr lang="en-US" sz="1200" dirty="0">
                 <a:solidFill>
                   <a:schemeClr val="dk1"/>
                 </a:solidFill>
@@ -2056,7 +2055,7 @@
               <a:t>e.g., return-to-</a:t>
             </a:r>
             <a:r>
-              <a:rPr lang="en-US" sz="1200" dirty="0" err="1" smtClean="0">
+              <a:rPr lang="en-US" sz="1200" dirty="0" err="1">
                 <a:solidFill>
                   <a:schemeClr val="dk1"/>
                 </a:solidFill>
@@ -2064,7 +2063,7 @@
               <a:t>libc</a:t>
             </a:r>
             <a:r>
-              <a:rPr lang="en-US" sz="1200" dirty="0" smtClean="0">
+              <a:rPr lang="en-US" sz="1200" dirty="0">
                 <a:solidFill>
                   <a:schemeClr val="dk1"/>
                 </a:solidFill>
@@ -5432,14 +5431,14 @@
               <a:buNone/>
             </a:pPr>
             <a:r>
-              <a:rPr lang="en-US" sz="1200" smtClean="0">
+              <a:rPr lang="en-US" sz="1200">
                 <a:solidFill>
                   <a:schemeClr val="dk1"/>
                 </a:solidFill>
               </a:rPr>
               <a:t>https://support.apple.com/en-gb/guide/security/secf6276da8a/1/web/1</a:t>
             </a:r>
-            <a:endParaRPr lang="en-SE" sz="1200" smtClean="0">
+            <a:endParaRPr lang="en-SE" sz="1200">
               <a:solidFill>
                 <a:schemeClr val="dk1"/>
               </a:solidFill>
@@ -5458,20 +5457,12 @@
               <a:buNone/>
             </a:pPr>
             <a:r>
-              <a:rPr lang="en-US" sz="1200" dirty="0" smtClean="0">
-                <a:solidFill>
-                  <a:schemeClr val="dk1"/>
-                </a:solidFill>
-              </a:rPr>
-              <a:t>In </a:t>
-            </a:r>
-            <a:r>
               <a:rPr lang="en-US" sz="1200" dirty="0">
                 <a:solidFill>
                   <a:schemeClr val="dk1"/>
                 </a:solidFill>
               </a:rPr>
-              <a:t>addition to the hardware encryption features built into iOS devices, Apple uses a technology called Data Protection to further protect data stored in flash memory on the device. Data Protection allows the device to respond to common events such as incoming phone calls, but also enables a high level of encryption for user data. Key system apps, such as Messages, Mail, Calendar, Contacts, Photos, and Health data values use Data Protection by default, and third-party apps installed on iOS 7 or later receive this protection automatically. </a:t>
+              <a:t>In addition to the hardware encryption features built into iOS devices, Apple uses a technology called Data Protection to further protect data stored in flash memory on the device. Data Protection allows the device to respond to common events such as incoming phone calls, but also enables a high level of encryption for user data. Key system apps, such as Messages, Mail, Calendar, Contacts, Photos, and Health data values use Data Protection by default, and third-party apps installed on iOS 7 or later receive this protection automatically. </a:t>
             </a:r>
           </a:p>
           <a:p>
@@ -7518,31 +7509,6 @@
       </p:sp>
       <p:sp>
         <p:nvSpPr>
-          <p:cNvPr id="4" name="Subtitle 3">
-            <a:extLst>
-              <a:ext uri="{FF2B5EF4-FFF2-40B4-BE49-F238E27FC236}">
-                <a16:creationId xmlns:a16="http://schemas.microsoft.com/office/drawing/2014/main" id="{AE50EE00-415B-4557-9062-379FD139A177}"/>
-              </a:ext>
-            </a:extLst>
-          </p:cNvPr>
-          <p:cNvSpPr>
-            <a:spLocks noGrp="1"/>
-          </p:cNvSpPr>
-          <p:nvPr>
-            <p:ph type="subTitle" idx="1"/>
-          </p:nvPr>
-        </p:nvSpPr>
-        <p:spPr/>
-        <p:txBody>
-          <a:bodyPr/>
-          <a:lstStyle/>
-          <a:p>
-            <a:endParaRPr lang="en-SE"/>
-          </a:p>
-        </p:txBody>
-      </p:sp>
-      <p:sp>
-        <p:nvSpPr>
           <p:cNvPr id="7" name="TextBox 6"/>
           <p:cNvSpPr txBox="1"/>
           <p:nvPr/>
@@ -7567,18 +7533,45 @@
           </a:p>
         </p:txBody>
       </p:sp>
+      <p:sp>
+        <p:nvSpPr>
+          <p:cNvPr id="6" name="Subtitle 3">
+            <a:extLst>
+              <a:ext uri="{FF2B5EF4-FFF2-40B4-BE49-F238E27FC236}">
+                <a16:creationId xmlns:a16="http://schemas.microsoft.com/office/drawing/2014/main" id="{0FF6C1DC-1472-45AA-B38D-1D349C7EB5A9}"/>
+              </a:ext>
+            </a:extLst>
+          </p:cNvPr>
+          <p:cNvSpPr>
+            <a:spLocks noGrp="1"/>
+          </p:cNvSpPr>
+          <p:nvPr>
+            <p:ph type="subTitle" idx="1"/>
+          </p:nvPr>
+        </p:nvSpPr>
+        <p:spPr>
+          <a:xfrm>
+            <a:off x="1371600" y="4509120"/>
+            <a:ext cx="6400800" cy="1129680"/>
+          </a:xfrm>
+        </p:spPr>
+        <p:txBody>
+          <a:bodyPr/>
+          <a:lstStyle/>
+          <a:p>
+            <a:r>
+              <a:rPr lang="en-US" dirty="0"/>
+              <a:t>ZJU 2021</a:t>
+            </a:r>
+            <a:endParaRPr lang="en-SE" dirty="0"/>
+          </a:p>
+        </p:txBody>
+      </p:sp>
     </p:spTree>
   </p:cSld>
   <p:clrMapOvr>
     <a:masterClrMapping/>
   </p:clrMapOvr>
-  <p:timing>
-    <p:tnLst>
-      <p:par>
-        <p:cTn id="1" dur="indefinite" restart="never" nodeType="tmRoot"/>
-      </p:par>
-    </p:tnLst>
-  </p:timing>
 </p:sld>
 </file>
 
@@ -7834,13 +7827,6 @@
   <p:transition spd="slow">
     <p:cut/>
   </p:transition>
-  <p:timing>
-    <p:tnLst>
-      <p:par>
-        <p:cTn id="1" dur="indefinite" restart="never" nodeType="tmRoot"/>
-      </p:par>
-    </p:tnLst>
-  </p:timing>
 </p:sld>
 </file>
 
@@ -7964,42 +7950,25 @@
               <a:t>A is false, since UID and GID are burned into the </a:t>
             </a:r>
             <a:r>
-              <a:rPr lang="en-SE" dirty="0" smtClean="0"/>
+              <a:rPr lang="en-SE" dirty="0"/>
               <a:t>HW</a:t>
             </a:r>
             <a:r>
-              <a:rPr lang="en-US" dirty="0" smtClean="0"/>
-              <a:t>, </a:t>
-            </a:r>
-            <a:r>
               <a:rPr lang="en-US" dirty="0"/>
-              <a:t>not in flash </a:t>
-            </a:r>
-            <a:r>
-              <a:rPr lang="en-US" dirty="0" smtClean="0"/>
-              <a:t>memory</a:t>
-            </a:r>
-            <a:endParaRPr lang="en-SE" dirty="0" smtClean="0"/>
+              <a:t>, not in flash memory</a:t>
+            </a:r>
+            <a:endParaRPr lang="en-SE" dirty="0"/>
           </a:p>
           <a:p>
             <a:pPr lvl="1"/>
             <a:r>
-              <a:rPr lang="en-SE" dirty="0" smtClean="0"/>
+              <a:rPr lang="en-SE" dirty="0"/>
               <a:t>C is false, since each file is encrypted with </a:t>
             </a:r>
             <a:r>
-              <a:rPr lang="en-US" dirty="0" smtClean="0"/>
-              <a:t>a </a:t>
-            </a:r>
-            <a:r>
               <a:rPr lang="en-US" dirty="0"/>
-              <a:t>unique </a:t>
-            </a:r>
-            <a:r>
-              <a:rPr lang="en-US" dirty="0" smtClean="0"/>
-              <a:t>File Key</a:t>
-            </a:r>
-            <a:endParaRPr lang="en-US" dirty="0"/>
+              <a:t>a unique File Key</a:t>
+            </a:r>
           </a:p>
           <a:p>
             <a:endParaRPr lang="en-US" dirty="0"/>
@@ -8020,13 +7989,6 @@
   <p:transition spd="slow">
     <p:cut/>
   </p:transition>
-  <p:timing>
-    <p:tnLst>
-      <p:par>
-        <p:cTn id="1" dur="indefinite" restart="never" nodeType="tmRoot"/>
-      </p:par>
-    </p:tnLst>
-  </p:timing>
 </p:sld>
 </file>
 
@@ -8101,15 +8063,7 @@
           <a:p>
             <a:r>
               <a:rPr lang="en-US" dirty="0"/>
-              <a:t>To ensure that all apps come from a known and approved source and have not been tampered with, iOS requires that all executable code be signed using </a:t>
-            </a:r>
-            <a:r>
-              <a:rPr lang="en-US" dirty="0" smtClean="0"/>
-              <a:t>an </a:t>
-            </a:r>
-            <a:r>
-              <a:rPr lang="en-US" dirty="0"/>
-              <a:t>Apple-issued certificate. </a:t>
+              <a:t>To ensure that all apps come from a known and approved source and have not been tampered with, iOS requires that all executable code be signed using an Apple-issued certificate. </a:t>
             </a:r>
           </a:p>
           <a:p>
@@ -8123,29 +8077,13 @@
             <a:pPr lvl="1"/>
             <a:r>
               <a:rPr lang="en-US" dirty="0"/>
-              <a:t>Third-party apps must also be validated and signed using an </a:t>
-            </a:r>
-            <a:r>
-              <a:rPr lang="en-US" dirty="0" smtClean="0"/>
-              <a:t>Apple-issued </a:t>
-            </a:r>
+              <a:t>Third-party apps must also be validated and signed using an Apple-issued certificate.</a:t>
+            </a:r>
+          </a:p>
+          <a:p>
             <a:r>
               <a:rPr lang="en-US" dirty="0"/>
-              <a:t>certificate.</a:t>
-            </a:r>
-          </a:p>
-          <a:p>
-            <a:r>
-              <a:rPr lang="en-US" dirty="0"/>
-              <a:t>Mandatory code signing extends the concept of chain of trust from the OS to apps, and prevents third-party apps from loading unsigned code resources or using </a:t>
-            </a:r>
-            <a:r>
-              <a:rPr lang="en-US" dirty="0" smtClean="0"/>
-              <a:t>self-modifying </a:t>
-            </a:r>
-            <a:r>
-              <a:rPr lang="en-US" dirty="0"/>
-              <a:t>code. </a:t>
+              <a:t>Mandatory code signing extends the concept of chain of trust from the OS to apps, and prevents third-party apps from loading unsigned code resources or using self-modifying code. </a:t>
             </a:r>
           </a:p>
           <a:p>
@@ -8204,13 +8142,6 @@
   <p:clrMapOvr>
     <a:masterClrMapping/>
   </p:clrMapOvr>
-  <p:timing>
-    <p:tnLst>
-      <p:par>
-        <p:cTn id="1" dur="indefinite" restart="never" nodeType="tmRoot"/>
-      </p:par>
-    </p:tnLst>
-  </p:timing>
 </p:sld>
 </file>
 
@@ -8346,13 +8277,6 @@
   <p:clrMapOvr>
     <a:masterClrMapping/>
   </p:clrMapOvr>
-  <p:timing>
-    <p:tnLst>
-      <p:par>
-        <p:cTn id="1" dur="indefinite" restart="never" nodeType="tmRoot"/>
-      </p:par>
-    </p:tnLst>
-  </p:timing>
 </p:sld>
 </file>
 
@@ -8512,13 +8436,6 @@
   <p:transition spd="slow">
     <p:cut/>
   </p:transition>
-  <p:timing>
-    <p:tnLst>
-      <p:par>
-        <p:cTn id="1" dur="indefinite" restart="never" nodeType="tmRoot"/>
-      </p:par>
-    </p:tnLst>
-  </p:timing>
 </p:sld>
 </file>
 
@@ -8615,59 +8532,39 @@
             </a:pPr>
             <a:r>
               <a:rPr lang="en-US" sz="2400" dirty="0"/>
-              <a:t>All third-party apps are “</a:t>
-            </a:r>
-            <a:r>
-              <a:rPr lang="en-US" sz="2400" dirty="0" smtClean="0"/>
-              <a:t>sandboxed</a:t>
-            </a:r>
-            <a:r>
-              <a:rPr lang="en-SE" sz="2400" dirty="0" smtClean="0"/>
+              <a:t>All third-party apps are “sandboxed</a:t>
+            </a:r>
+            <a:r>
+              <a:rPr lang="en-SE" sz="2400" dirty="0"/>
               <a:t>”. </a:t>
             </a:r>
             <a:r>
               <a:rPr lang="en-US" sz="2400" dirty="0"/>
-              <a:t>Each app has a unique home directory for its </a:t>
-            </a:r>
-            <a:r>
-              <a:rPr lang="en-US" sz="2400" dirty="0" smtClean="0"/>
-              <a:t>files</a:t>
-            </a:r>
-            <a:r>
-              <a:rPr lang="en-SE" sz="2400" dirty="0" smtClean="0"/>
+              <a:t>Each app has a unique home directory for its files</a:t>
+            </a:r>
+            <a:r>
+              <a:rPr lang="en-SE" sz="2400" dirty="0"/>
               <a:t>, and it</a:t>
             </a:r>
             <a:r>
-              <a:rPr lang="en-US" sz="2400" dirty="0" smtClean="0"/>
+              <a:rPr lang="en-US" sz="2400" dirty="0"/>
               <a:t> </a:t>
             </a:r>
             <a:r>
-              <a:rPr lang="en-SE" sz="2400" dirty="0" smtClean="0"/>
+              <a:rPr lang="en-SE" sz="2400" dirty="0"/>
               <a:t>cannot</a:t>
             </a:r>
             <a:r>
-              <a:rPr lang="en-US" sz="2400" dirty="0" smtClean="0"/>
-              <a:t> access </a:t>
-            </a:r>
-            <a:r>
               <a:rPr lang="en-US" sz="2400" dirty="0"/>
-              <a:t>files stored by other apps or from making changes to the device. This </a:t>
-            </a:r>
-            <a:r>
-              <a:rPr lang="en-US" sz="2400" dirty="0" smtClean="0"/>
-              <a:t>prevents</a:t>
-            </a:r>
-            <a:r>
-              <a:rPr lang="en-SE" sz="2400" dirty="0" smtClean="0"/>
+              <a:t> access files stored by other apps or from making changes to the device. This prevents</a:t>
+            </a:r>
+            <a:r>
+              <a:rPr lang="en-SE" sz="2400" dirty="0"/>
               <a:t> an</a:t>
             </a:r>
             <a:r>
-              <a:rPr lang="en-US" sz="2400" dirty="0" smtClean="0"/>
-              <a:t> app </a:t>
-            </a:r>
-            <a:r>
               <a:rPr lang="en-US" sz="2400" dirty="0"/>
-              <a:t>from gathering or modifying information stored by other apps. </a:t>
+              <a:t> app from gathering or modifying information stored by other apps. </a:t>
             </a:r>
             <a:endParaRPr lang="en-US" sz="2100" dirty="0"/>
           </a:p>
@@ -8709,13 +8606,6 @@
   <p:transition spd="slow">
     <p:cut/>
   </p:transition>
-  <p:timing>
-    <p:tnLst>
-      <p:par>
-        <p:cTn id="1" dur="indefinite" restart="never" nodeType="tmRoot"/>
-      </p:par>
-    </p:tnLst>
-  </p:timing>
 </p:sld>
 </file>
 
@@ -8816,18 +8706,10 @@
                   <a:schemeClr val="dk1"/>
                 </a:solidFill>
               </a:rPr>
-              <a:t>ASLR protects against the exploitation of memory corruption </a:t>
-            </a:r>
-            <a:r>
-              <a:rPr lang="en-US" sz="2650" dirty="0" smtClean="0">
-                <a:solidFill>
-                  <a:schemeClr val="dk1"/>
-                </a:solidFill>
-              </a:rPr>
-              <a:t>bugs</a:t>
-            </a:r>
-            <a:r>
-              <a:rPr lang="en-SE" sz="2650" dirty="0" smtClean="0">
+              <a:t>ASLR protects against the exploitation of memory corruption bugs</a:t>
+            </a:r>
+            <a:r>
+              <a:rPr lang="en-SE" sz="2650" dirty="0">
                 <a:solidFill>
                   <a:schemeClr val="dk1"/>
                 </a:solidFill>
@@ -8835,7 +8717,7 @@
               <a:t> by</a:t>
             </a:r>
             <a:r>
-              <a:rPr lang="en-US" sz="2650" dirty="0" smtClean="0">
+              <a:rPr lang="en-US" sz="2650" dirty="0">
                 <a:solidFill>
                   <a:schemeClr val="dk1"/>
                 </a:solidFill>
@@ -8843,7 +8725,7 @@
               <a:t> </a:t>
             </a:r>
             <a:r>
-              <a:rPr lang="en-SE" sz="2650" dirty="0" smtClean="0">
+              <a:rPr lang="en-SE" sz="2650" dirty="0">
                 <a:solidFill>
                   <a:schemeClr val="dk1"/>
                 </a:solidFill>
@@ -8851,7 +8733,7 @@
               <a:t>r</a:t>
             </a:r>
             <a:r>
-              <a:rPr lang="en-US" sz="2650" dirty="0" err="1" smtClean="0">
+              <a:rPr lang="en-US" sz="2650" dirty="0" err="1">
                 <a:solidFill>
                   <a:schemeClr val="dk1"/>
                 </a:solidFill>
@@ -8859,28 +8741,12 @@
               <a:t>andomly</a:t>
             </a:r>
             <a:r>
-              <a:rPr lang="en-US" sz="2650" dirty="0" smtClean="0">
-                <a:solidFill>
-                  <a:schemeClr val="dk1"/>
-                </a:solidFill>
-              </a:rPr>
-              <a:t> </a:t>
-            </a:r>
-            <a:r>
               <a:rPr lang="en-US" sz="2650" dirty="0">
                 <a:solidFill>
                   <a:schemeClr val="dk1"/>
                 </a:solidFill>
               </a:rPr>
-              <a:t>arranging the memory addresses of stack, heap, main executable, and dynamic </a:t>
-            </a:r>
-            <a:r>
-              <a:rPr lang="en-US" sz="2650" dirty="0" smtClean="0">
-                <a:solidFill>
-                  <a:schemeClr val="dk1"/>
-                </a:solidFill>
-              </a:rPr>
-              <a:t>libraries</a:t>
+              <a:t> arranging the memory addresses of stack, heap, main executable, and dynamic libraries</a:t>
             </a:r>
             <a:r>
               <a:rPr lang="en-SE" sz="2650" dirty="0">
@@ -8888,18 +8754,10 @@
                   <a:schemeClr val="dk1"/>
                 </a:solidFill>
               </a:rPr>
-              <a:t> </a:t>
-            </a:r>
-            <a:r>
-              <a:rPr lang="en-SE" sz="2650" dirty="0" smtClean="0">
-                <a:solidFill>
-                  <a:schemeClr val="dk1"/>
-                </a:solidFill>
-              </a:rPr>
-              <a:t>when the application is </a:t>
-            </a:r>
-            <a:r>
-              <a:rPr lang="en-US" sz="2650" dirty="0" smtClean="0">
+              <a:t> when the application is </a:t>
+            </a:r>
+            <a:r>
+              <a:rPr lang="en-US" sz="2650" dirty="0">
                 <a:solidFill>
                   <a:schemeClr val="dk1"/>
                 </a:solidFill>
@@ -8907,7 +8765,7 @@
               <a:t>launch</a:t>
             </a:r>
             <a:r>
-              <a:rPr lang="en-SE" sz="2650" dirty="0" smtClean="0">
+              <a:rPr lang="en-SE" sz="2650" dirty="0">
                 <a:solidFill>
                   <a:schemeClr val="dk1"/>
                 </a:solidFill>
@@ -8915,7 +8773,7 @@
               <a:t>ed</a:t>
             </a:r>
             <a:r>
-              <a:rPr lang="en-US" sz="2650" dirty="0" smtClean="0">
+              <a:rPr lang="en-US" sz="2650" dirty="0">
                 <a:solidFill>
                   <a:schemeClr val="dk1"/>
                 </a:solidFill>
@@ -8923,7 +8781,7 @@
               <a:t>.</a:t>
             </a:r>
             <a:r>
-              <a:rPr lang="en-SE" sz="2650" dirty="0" smtClean="0">
+              <a:rPr lang="en-SE" sz="2650" dirty="0">
                 <a:solidFill>
                   <a:schemeClr val="dk1"/>
                 </a:solidFill>
@@ -8931,23 +8789,15 @@
               <a:t> This</a:t>
             </a:r>
             <a:r>
-              <a:rPr lang="en-US" sz="2650" dirty="0" smtClean="0">
-                <a:solidFill>
-                  <a:schemeClr val="dk1"/>
-                </a:solidFill>
-              </a:rPr>
-              <a:t> </a:t>
-            </a:r>
-            <a:r>
               <a:rPr lang="en-US" sz="2650" dirty="0">
                 <a:solidFill>
                   <a:schemeClr val="dk1"/>
                 </a:solidFill>
               </a:rPr>
-              <a:t>reduces the likelihood of many sophisticated </a:t>
-            </a:r>
-            <a:r>
-              <a:rPr lang="en-SE" sz="2650" dirty="0" smtClean="0">
+              <a:t> reduces the likelihood of many sophisticated </a:t>
+            </a:r>
+            <a:r>
+              <a:rPr lang="en-SE" sz="2650" dirty="0">
                 <a:solidFill>
                   <a:schemeClr val="dk1"/>
                 </a:solidFill>
@@ -8955,7 +8805,7 @@
               <a:t>memory </a:t>
             </a:r>
             <a:r>
-              <a:rPr lang="en-US" sz="2700" dirty="0" smtClean="0">
+              <a:rPr lang="en-US" sz="2700" dirty="0">
                 <a:solidFill>
                   <a:schemeClr val="dk1"/>
                 </a:solidFill>
@@ -8963,7 +8813,7 @@
               <a:t>exploits</a:t>
             </a:r>
             <a:r>
-              <a:rPr lang="en-SE" sz="2700" dirty="0" smtClean="0">
+              <a:rPr lang="en-SE" sz="2700" dirty="0">
                 <a:solidFill>
                   <a:schemeClr val="dk1"/>
                 </a:solidFill>
@@ -9010,13 +8860,6 @@
   <p:transition spd="slow">
     <p:cut/>
   </p:transition>
-  <p:timing>
-    <p:tnLst>
-      <p:par>
-        <p:cTn id="1" dur="indefinite" restart="never" nodeType="tmRoot"/>
-      </p:par>
-    </p:tnLst>
-  </p:timing>
 </p:sld>
 </file>
 
@@ -9179,13 +9022,6 @@
   <p:transition spd="slow">
     <p:cut/>
   </p:transition>
-  <p:timing>
-    <p:tnLst>
-      <p:par>
-        <p:cTn id="1" dur="indefinite" restart="never" nodeType="tmRoot"/>
-      </p:par>
-    </p:tnLst>
-  </p:timing>
 </p:sld>
 </file>
 
@@ -9377,13 +9213,6 @@
   <p:transition spd="slow">
     <p:cut/>
   </p:transition>
-  <p:timing>
-    <p:tnLst>
-      <p:par>
-        <p:cTn id="1" dur="indefinite" restart="never" nodeType="tmRoot"/>
-      </p:par>
-    </p:tnLst>
-  </p:timing>
 </p:sld>
 </file>
 
@@ -9539,13 +9368,6 @@
   <p:clrMapOvr>
     <a:masterClrMapping/>
   </p:clrMapOvr>
-  <p:timing>
-    <p:tnLst>
-      <p:par>
-        <p:cTn id="1" dur="indefinite" restart="never" nodeType="tmRoot"/>
-      </p:par>
-    </p:tnLst>
-  </p:timing>
 </p:sld>
 </file>
 
@@ -9693,13 +9515,6 @@
   <p:clrMapOvr>
     <a:masterClrMapping/>
   </p:clrMapOvr>
-  <p:timing>
-    <p:tnLst>
-      <p:par>
-        <p:cTn id="1" dur="indefinite" restart="never" nodeType="tmRoot"/>
-      </p:par>
-    </p:tnLst>
-  </p:timing>
 </p:sld>
 </file>
 
@@ -9798,15 +9613,7 @@
           <a:p>
             <a:r>
               <a:rPr lang="en-US" dirty="0"/>
-              <a:t>Each application </a:t>
-            </a:r>
-            <a:r>
-              <a:rPr lang="en-US" dirty="0" smtClean="0"/>
-              <a:t>runs </a:t>
-            </a:r>
-            <a:r>
-              <a:rPr lang="en-US" dirty="0"/>
-              <a:t>its own instance of the Dalvik Virtual Machine (VM). Programs are commonly written in Java and compiled to bytecode for the Java virtual machine, which is then translated to Dalvik bytecode. The compact Dalvik Executable format is designed for systems such as smartphones that are constrained in terms of memory and processor speed.</a:t>
+              <a:t>Each application runs its own instance of the Dalvik Virtual Machine (VM). Programs are commonly written in Java and compiled to bytecode for the Java virtual machine, which is then translated to Dalvik bytecode. The compact Dalvik Executable format is designed for systems such as smartphones that are constrained in terms of memory and processor speed.</a:t>
             </a:r>
           </a:p>
         </p:txBody>
@@ -9847,13 +9654,6 @@
   <p:transition spd="slow">
     <p:cut/>
   </p:transition>
-  <p:timing>
-    <p:tnLst>
-      <p:par>
-        <p:cTn id="1" dur="indefinite" restart="never" nodeType="tmRoot"/>
-      </p:par>
-    </p:tnLst>
-  </p:timing>
 </p:sld>
 </file>
 
@@ -10176,13 +9976,6 @@
   <p:transition spd="slow">
     <p:cut/>
   </p:transition>
-  <p:timing>
-    <p:tnLst>
-      <p:par>
-        <p:cTn id="1" dur="indefinite" restart="never" nodeType="tmRoot"/>
-      </p:par>
-    </p:tnLst>
-  </p:timing>
 </p:sld>
 </file>
 
@@ -10368,13 +10161,6 @@
   <p:transition spd="slow">
     <p:cut/>
   </p:transition>
-  <p:timing>
-    <p:tnLst>
-      <p:par>
-        <p:cTn id="1" dur="indefinite" restart="never" nodeType="tmRoot"/>
-      </p:par>
-    </p:tnLst>
-  </p:timing>
 </p:sld>
 </file>
 
@@ -10560,13 +10346,6 @@
   <p:transition spd="slow">
     <p:cut/>
   </p:transition>
-  <p:timing>
-    <p:tnLst>
-      <p:par>
-        <p:cTn id="1" dur="indefinite" restart="never" nodeType="tmRoot"/>
-      </p:par>
-    </p:tnLst>
-  </p:timing>
 </p:sld>
 </file>
 
@@ -10718,13 +10497,6 @@
   <p:clrMapOvr>
     <a:masterClrMapping/>
   </p:clrMapOvr>
-  <p:timing>
-    <p:tnLst>
-      <p:par>
-        <p:cTn id="1" dur="indefinite" restart="never" nodeType="tmRoot"/>
-      </p:par>
-    </p:tnLst>
-  </p:timing>
 </p:sld>
 </file>
 
@@ -10816,16 +10588,12 @@
               <a:t>iOS has cryptographic keys and modules built into its device hardware, uses mandatory code signing and a very restricted app distribution model, and runs app in a sandbox with run-time protection </a:t>
             </a:r>
             <a:r>
-              <a:rPr lang="en-SE" dirty="0" smtClean="0"/>
+              <a:rPr lang="en-SE" dirty="0"/>
               <a:t>mechanisms </a:t>
             </a:r>
             <a:r>
-              <a:rPr lang="en-US" dirty="0" smtClean="0"/>
-              <a:t>such </a:t>
-            </a:r>
-            <a:r>
               <a:rPr lang="en-US" dirty="0"/>
-              <a:t>as ASLR and DEP</a:t>
+              <a:t>such as ASLR and DEP</a:t>
             </a:r>
           </a:p>
           <a:p>
@@ -10884,13 +10652,6 @@
   <p:clrMapOvr>
     <a:masterClrMapping/>
   </p:clrMapOvr>
-  <p:timing>
-    <p:tnLst>
-      <p:par>
-        <p:cTn id="1" dur="indefinite" restart="never" nodeType="tmRoot"/>
-      </p:par>
-    </p:tnLst>
-  </p:timing>
 </p:sld>
 </file>
 
@@ -11033,13 +10794,6 @@
   <p:transition spd="slow">
     <p:cut/>
   </p:transition>
-  <p:timing>
-    <p:tnLst>
-      <p:par>
-        <p:cTn id="1" dur="indefinite" restart="never" nodeType="tmRoot"/>
-      </p:par>
-    </p:tnLst>
-  </p:timing>
 </p:sld>
 </file>
 
@@ -11139,15 +10893,7 @@
             </a:r>
             <a:r>
               <a:rPr lang="en-US" dirty="0"/>
-              <a:t>is transmitted in </a:t>
-            </a:r>
-            <a:r>
-              <a:rPr lang="en-US" dirty="0" smtClean="0"/>
-              <a:t>the </a:t>
-            </a:r>
-            <a:r>
-              <a:rPr lang="en-US" dirty="0"/>
-              <a:t>air, an open medium.</a:t>
+              <a:t>is transmitted in the air, an open medium.</a:t>
             </a:r>
             <a:endParaRPr lang="en-US" sz="3200" dirty="0"/>
           </a:p>
@@ -11227,13 +10973,6 @@
   <p:transition spd="slow">
     <p:cut/>
   </p:transition>
-  <p:timing>
-    <p:tnLst>
-      <p:par>
-        <p:cTn id="1" dur="indefinite" restart="never" nodeType="tmRoot"/>
-      </p:par>
-    </p:tnLst>
-  </p:timing>
 </p:sld>
 </file>
 
@@ -11392,13 +11131,6 @@
   <p:clrMapOvr>
     <a:masterClrMapping/>
   </p:clrMapOvr>
-  <p:timing>
-    <p:tnLst>
-      <p:par>
-        <p:cTn id="1" dur="indefinite" restart="never" nodeType="tmRoot"/>
-      </p:par>
-    </p:tnLst>
-  </p:timing>
 </p:sld>
 </file>
 
@@ -11477,20 +11209,16 @@
           <a:lstStyle/>
           <a:p>
             <a:r>
-              <a:rPr lang="en-SE" dirty="0" smtClean="0"/>
+              <a:rPr lang="en-SE" dirty="0"/>
               <a:t>A</a:t>
             </a:r>
             <a:r>
-              <a:rPr lang="en-US" dirty="0" err="1" smtClean="0"/>
+              <a:rPr lang="en-US" dirty="0" err="1"/>
               <a:t>ccess</a:t>
             </a:r>
             <a:r>
-              <a:rPr lang="en-US" dirty="0" smtClean="0"/>
-              <a:t> </a:t>
-            </a:r>
-            <a:r>
               <a:rPr lang="en-US" dirty="0"/>
-              <a:t>control model is based on 802.1X, with Extensible Authentication Protocol (EAP), a carrier protocol designed to transport the messages of different authentication protocols (e.g., TLS)</a:t>
+              <a:t> control model is based on 802.1X, with Extensible Authentication Protocol (EAP), a carrier protocol designed to transport the messages of different authentication protocols (e.g., TLS)</a:t>
             </a:r>
           </a:p>
           <a:p>
@@ -11636,13 +11364,6 @@
   <p:clrMapOvr>
     <a:masterClrMapping/>
   </p:clrMapOvr>
-  <p:timing>
-    <p:tnLst>
-      <p:par>
-        <p:cTn id="1" dur="indefinite" restart="never" nodeType="tmRoot"/>
-      </p:par>
-    </p:tnLst>
-  </p:timing>
 </p:sld>
 </file>
 
@@ -11732,31 +11453,23 @@
           <a:p>
             <a:r>
               <a:rPr lang="en-US" dirty="0"/>
-              <a:t>It combines </a:t>
-            </a:r>
-            <a:r>
-              <a:rPr lang="en-US" dirty="0" smtClean="0"/>
-              <a:t>S</a:t>
-            </a:r>
-            <a:r>
-              <a:rPr lang="en-SE" dirty="0" smtClean="0"/>
+              <a:t>It combines S</a:t>
+            </a:r>
+            <a:r>
+              <a:rPr lang="en-SE" dirty="0"/>
               <a:t>W </a:t>
             </a:r>
             <a:r>
-              <a:rPr lang="en-US" dirty="0" smtClean="0"/>
+              <a:rPr lang="en-US" dirty="0"/>
               <a:t>and </a:t>
             </a:r>
             <a:r>
-              <a:rPr lang="en-SE" dirty="0" smtClean="0"/>
+              <a:rPr lang="en-SE" dirty="0"/>
               <a:t>HW</a:t>
             </a:r>
             <a:r>
-              <a:rPr lang="en-US" dirty="0" smtClean="0"/>
-              <a:t> </a:t>
-            </a:r>
-            <a:r>
               <a:rPr lang="en-US" dirty="0"/>
-              <a:t>features to provide security.</a:t>
+              <a:t> features to provide security.</a:t>
             </a:r>
           </a:p>
           <a:p>
@@ -11874,13 +11587,6 @@
   <p:transition spd="slow">
     <p:cut/>
   </p:transition>
-  <p:timing>
-    <p:tnLst>
-      <p:par>
-        <p:cTn id="1" dur="indefinite" restart="never" nodeType="tmRoot"/>
-      </p:par>
-    </p:tnLst>
-  </p:timing>
 </p:sld>
 </file>
 
@@ -11958,16 +11664,12 @@
               <a:t>Each iOS device has a dedicated AES-256 </a:t>
             </a:r>
             <a:r>
-              <a:rPr lang="en-SE" dirty="0" smtClean="0"/>
+              <a:rPr lang="en-SE" dirty="0"/>
               <a:t>HW </a:t>
             </a:r>
             <a:r>
-              <a:rPr lang="en-US" dirty="0" smtClean="0"/>
-              <a:t>crypto </a:t>
-            </a:r>
-            <a:r>
               <a:rPr lang="en-US" dirty="0"/>
-              <a:t>engine</a:t>
+              <a:t>crypto engine</a:t>
             </a:r>
           </a:p>
           <a:p>
@@ -12005,16 +11707,12 @@
               <a:t>The UID and GID keys are burned into the </a:t>
             </a:r>
             <a:r>
-              <a:rPr lang="en-SE" dirty="0" smtClean="0"/>
+              <a:rPr lang="en-SE" dirty="0"/>
               <a:t>HW</a:t>
             </a:r>
             <a:r>
-              <a:rPr lang="en-US" dirty="0" smtClean="0"/>
-              <a:t> </a:t>
-            </a:r>
-            <a:r>
               <a:rPr lang="en-US" dirty="0"/>
-              <a:t>and can only be accessed by the Crypto Engine</a:t>
+              <a:t> and can only be accessed by the Crypto Engine</a:t>
             </a:r>
             <a:endParaRPr lang="en-SE" dirty="0"/>
           </a:p>
@@ -12065,13 +11763,6 @@
   <p:clrMapOvr>
     <a:masterClrMapping/>
   </p:clrMapOvr>
-  <p:timing>
-    <p:tnLst>
-      <p:par>
-        <p:cTn id="1" dur="indefinite" restart="never" nodeType="tmRoot"/>
-      </p:par>
-    </p:tnLst>
-  </p:timing>
 </p:sld>
 </file>
 
@@ -12163,16 +11854,12 @@
               <a:t>The security of a device </a:t>
             </a:r>
             <a:r>
-              <a:rPr lang="en-SE" dirty="0" smtClean="0"/>
+              <a:rPr lang="en-SE" dirty="0"/>
               <a:t>is</a:t>
             </a:r>
             <a:r>
-              <a:rPr lang="en-US" dirty="0" smtClean="0"/>
-              <a:t> </a:t>
-            </a:r>
-            <a:r>
               <a:rPr lang="en-US" dirty="0"/>
-              <a:t>established when the device is turned on initially, by a chain of trust where each step ensures that the next is signed by Apple.</a:t>
+              <a:t> established when the device is turned on initially, by a chain of trust where each step ensures that the next is signed by Apple.</a:t>
             </a:r>
           </a:p>
           <a:p>
@@ -12247,13 +11934,6 @@
   <p:transition spd="slow">
     <p:cut/>
   </p:transition>
-  <p:timing>
-    <p:tnLst>
-      <p:par>
-        <p:cTn id="1" dur="indefinite" restart="never" nodeType="tmRoot"/>
-      </p:par>
-    </p:tnLst>
-  </p:timing>
 </p:sld>
 </file>
 

--- a/InfoSec/PPTs/L15-CH24-Wireless Mobile Security.pptx
+++ b/InfoSec/PPTs/L15-CH24-Wireless Mobile Security.pptx
@@ -313,7 +313,7 @@
             <a:fld id="{999DDEF9-8F79-3F4A-8C1A-CB2E900DCD92}" type="datetimeFigureOut">
               <a:rPr lang="en-US" smtClean="0"/>
               <a:pPr/>
-              <a:t>5/4/2021</a:t>
+              <a:t>3/24/2022</a:t>
             </a:fld>
             <a:endParaRPr lang="en-US"/>
           </a:p>
@@ -7560,10 +7560,17 @@
           <a:lstStyle/>
           <a:p>
             <a:r>
-              <a:rPr lang="en-US" dirty="0"/>
-              <a:t>ZJU 2021</a:t>
-            </a:r>
-            <a:endParaRPr lang="en-SE" dirty="0"/>
+              <a:rPr lang="en-US" altLang="zh-CN" kern="0" dirty="0"/>
+              <a:t>Zonghua Gu</a:t>
+            </a:r>
+            <a:endParaRPr lang="en-US" kern="0" dirty="0"/>
+          </a:p>
+          <a:p>
+            <a:r>
+              <a:rPr lang="en-US" kern="0"/>
+              <a:t>2018, ZJU</a:t>
+            </a:r>
+            <a:endParaRPr lang="en-SE" kern="0" dirty="0"/>
           </a:p>
         </p:txBody>
       </p:sp>

--- a/InfoSec/PPTs/L15-CH24-Wireless Mobile Security.pptx
+++ b/InfoSec/PPTs/L15-CH24-Wireless Mobile Security.pptx
@@ -313,7 +313,7 @@
             <a:fld id="{999DDEF9-8F79-3F4A-8C1A-CB2E900DCD92}" type="datetimeFigureOut">
               <a:rPr lang="en-US" smtClean="0"/>
               <a:pPr/>
-              <a:t>3/24/2022</a:t>
+              <a:t>3/27/2022</a:t>
             </a:fld>
             <a:endParaRPr lang="en-US"/>
           </a:p>
@@ -7568,7 +7568,11 @@
           <a:p>
             <a:r>
               <a:rPr lang="en-US" kern="0"/>
-              <a:t>2018, ZJU</a:t>
+              <a:t>2017, </a:t>
+            </a:r>
+            <a:r>
+              <a:rPr lang="en-US" kern="0" dirty="0"/>
+              <a:t>ZJU</a:t>
             </a:r>
             <a:endParaRPr lang="en-SE" kern="0" dirty="0"/>
           </a:p>
